--- a/WebVital.pptx
+++ b/WebVital.pptx
@@ -33,6 +33,8 @@
     <p:sldId id="276" r:id="rId27"/>
     <p:sldId id="277" r:id="rId28"/>
     <p:sldId id="278" r:id="rId29"/>
+    <p:sldId id="279" r:id="rId30"/>
+    <p:sldId id="280" r:id="rId31"/>
   </p:sldIdLst>
   <p:sldSz cy="5143500" cx="9144000"/>
   <p:notesSz cx="7620000" cy="10160000"/>
@@ -798,7 +800,7 @@
   <p:cSld>
     <p:spTree>
       <p:nvGrpSpPr>
-        <p:cNvPr id="129" name="Shape 129"/>
+        <p:cNvPr id="130" name="Shape 130"/>
         <p:cNvGrpSpPr/>
         <p:nvPr/>
       </p:nvGrpSpPr>
@@ -812,7 +814,7 @@
       </p:grpSpPr>
       <p:sp>
         <p:nvSpPr>
-          <p:cNvPr id="130" name="Google Shape;130;g173fe3bf3d4_0_28:notes"/>
+          <p:cNvPr id="131" name="Google Shape;131;g17c1e886a9d_1_7:notes"/>
           <p:cNvSpPr/>
           <p:nvPr>
             <p:ph idx="2" type="sldImg"/>
@@ -847,7 +849,7 @@
       </p:sp>
       <p:sp>
         <p:nvSpPr>
-          <p:cNvPr id="131" name="Google Shape;131;g173fe3bf3d4_0_28:notes"/>
+          <p:cNvPr id="132" name="Google Shape;132;g17c1e886a9d_1_7:notes"/>
           <p:cNvSpPr txBox="1"/>
           <p:nvPr>
             <p:ph idx="1" type="body"/>
@@ -897,7 +899,7 @@
   <p:cSld>
     <p:spTree>
       <p:nvGrpSpPr>
-        <p:cNvPr id="135" name="Shape 135"/>
+        <p:cNvPr id="137" name="Shape 137"/>
         <p:cNvGrpSpPr/>
         <p:nvPr/>
       </p:nvGrpSpPr>
@@ -911,7 +913,7 @@
       </p:grpSpPr>
       <p:sp>
         <p:nvSpPr>
-          <p:cNvPr id="136" name="Google Shape;136;g173fe3bf3d4_0_0:notes"/>
+          <p:cNvPr id="138" name="Google Shape;138;g16f3762c392_0_46:notes"/>
           <p:cNvSpPr/>
           <p:nvPr>
             <p:ph idx="2" type="sldImg"/>
@@ -946,7 +948,7 @@
       </p:sp>
       <p:sp>
         <p:nvSpPr>
-          <p:cNvPr id="137" name="Google Shape;137;g173fe3bf3d4_0_0:notes"/>
+          <p:cNvPr id="139" name="Google Shape;139;g16f3762c392_0_46:notes"/>
           <p:cNvSpPr txBox="1"/>
           <p:nvPr>
             <p:ph idx="1" type="body"/>
@@ -996,7 +998,7 @@
   <p:cSld>
     <p:spTree>
       <p:nvGrpSpPr>
-        <p:cNvPr id="141" name="Shape 141"/>
+        <p:cNvPr id="143" name="Shape 143"/>
         <p:cNvGrpSpPr/>
         <p:nvPr/>
       </p:nvGrpSpPr>
@@ -1010,7 +1012,7 @@
       </p:grpSpPr>
       <p:sp>
         <p:nvSpPr>
-          <p:cNvPr id="142" name="Google Shape;142;g173fe3bf3d4_0_33:notes"/>
+          <p:cNvPr id="144" name="Google Shape;144;g173fe3bf3d4_0_28:notes"/>
           <p:cNvSpPr/>
           <p:nvPr>
             <p:ph idx="2" type="sldImg"/>
@@ -1045,7 +1047,7 @@
       </p:sp>
       <p:sp>
         <p:nvSpPr>
-          <p:cNvPr id="143" name="Google Shape;143;g173fe3bf3d4_0_33:notes"/>
+          <p:cNvPr id="145" name="Google Shape;145;g173fe3bf3d4_0_28:notes"/>
           <p:cNvSpPr txBox="1"/>
           <p:nvPr>
             <p:ph idx="1" type="body"/>
@@ -1095,7 +1097,7 @@
   <p:cSld>
     <p:spTree>
       <p:nvGrpSpPr>
-        <p:cNvPr id="147" name="Shape 147"/>
+        <p:cNvPr id="149" name="Shape 149"/>
         <p:cNvGrpSpPr/>
         <p:nvPr/>
       </p:nvGrpSpPr>
@@ -1109,7 +1111,7 @@
       </p:grpSpPr>
       <p:sp>
         <p:nvSpPr>
-          <p:cNvPr id="148" name="Google Shape;148;g173fe3bf3d4_0_38:notes"/>
+          <p:cNvPr id="150" name="Google Shape;150;g173fe3bf3d4_0_0:notes"/>
           <p:cNvSpPr/>
           <p:nvPr>
             <p:ph idx="2" type="sldImg"/>
@@ -1144,7 +1146,7 @@
       </p:sp>
       <p:sp>
         <p:nvSpPr>
-          <p:cNvPr id="149" name="Google Shape;149;g173fe3bf3d4_0_38:notes"/>
+          <p:cNvPr id="151" name="Google Shape;151;g173fe3bf3d4_0_0:notes"/>
           <p:cNvSpPr txBox="1"/>
           <p:nvPr>
             <p:ph idx="1" type="body"/>
@@ -1208,7 +1210,7 @@
       </p:grpSpPr>
       <p:sp>
         <p:nvSpPr>
-          <p:cNvPr id="156" name="Google Shape;156;g1745e71d06c_0_7:notes"/>
+          <p:cNvPr id="156" name="Google Shape;156;g173fe3bf3d4_0_33:notes"/>
           <p:cNvSpPr/>
           <p:nvPr>
             <p:ph idx="2" type="sldImg"/>
@@ -1243,7 +1245,7 @@
       </p:sp>
       <p:sp>
         <p:nvSpPr>
-          <p:cNvPr id="157" name="Google Shape;157;g1745e71d06c_0_7:notes"/>
+          <p:cNvPr id="157" name="Google Shape;157;g173fe3bf3d4_0_33:notes"/>
           <p:cNvSpPr txBox="1"/>
           <p:nvPr>
             <p:ph idx="1" type="body"/>
@@ -1307,7 +1309,7 @@
       </p:grpSpPr>
       <p:sp>
         <p:nvSpPr>
-          <p:cNvPr id="162" name="Google Shape;162;g1745e71d06c_0_12:notes"/>
+          <p:cNvPr id="162" name="Google Shape;162;g173fe3bf3d4_0_38:notes"/>
           <p:cNvSpPr/>
           <p:nvPr>
             <p:ph idx="2" type="sldImg"/>
@@ -1342,7 +1344,7 @@
       </p:sp>
       <p:sp>
         <p:nvSpPr>
-          <p:cNvPr id="163" name="Google Shape;163;g1745e71d06c_0_12:notes"/>
+          <p:cNvPr id="163" name="Google Shape;163;g173fe3bf3d4_0_38:notes"/>
           <p:cNvSpPr txBox="1"/>
           <p:nvPr>
             <p:ph idx="1" type="body"/>
@@ -1392,7 +1394,7 @@
   <p:cSld>
     <p:spTree>
       <p:nvGrpSpPr>
-        <p:cNvPr id="167" name="Shape 167"/>
+        <p:cNvPr id="169" name="Shape 169"/>
         <p:cNvGrpSpPr/>
         <p:nvPr/>
       </p:nvGrpSpPr>
@@ -1406,7 +1408,7 @@
       </p:grpSpPr>
       <p:sp>
         <p:nvSpPr>
-          <p:cNvPr id="168" name="Google Shape;168;g1745e71d06c_0_17:notes"/>
+          <p:cNvPr id="170" name="Google Shape;170;g1745e71d06c_0_7:notes"/>
           <p:cNvSpPr/>
           <p:nvPr>
             <p:ph idx="2" type="sldImg"/>
@@ -1441,7 +1443,7 @@
       </p:sp>
       <p:sp>
         <p:nvSpPr>
-          <p:cNvPr id="169" name="Google Shape;169;g1745e71d06c_0_17:notes"/>
+          <p:cNvPr id="171" name="Google Shape;171;g1745e71d06c_0_7:notes"/>
           <p:cNvSpPr txBox="1"/>
           <p:nvPr>
             <p:ph idx="1" type="body"/>
@@ -1505,7 +1507,7 @@
       </p:grpSpPr>
       <p:sp>
         <p:nvSpPr>
-          <p:cNvPr id="176" name="Google Shape;176;g1745e71d06c_0_24:notes"/>
+          <p:cNvPr id="176" name="Google Shape;176;g1745e71d06c_0_12:notes"/>
           <p:cNvSpPr/>
           <p:nvPr>
             <p:ph idx="2" type="sldImg"/>
@@ -1540,7 +1542,7 @@
       </p:sp>
       <p:sp>
         <p:nvSpPr>
-          <p:cNvPr id="177" name="Google Shape;177;g1745e71d06c_0_24:notes"/>
+          <p:cNvPr id="177" name="Google Shape;177;g1745e71d06c_0_12:notes"/>
           <p:cNvSpPr txBox="1"/>
           <p:nvPr>
             <p:ph idx="1" type="body"/>
@@ -1604,7 +1606,7 @@
       </p:grpSpPr>
       <p:sp>
         <p:nvSpPr>
-          <p:cNvPr id="182" name="Google Shape;182;g1745e71d06c_0_29:notes"/>
+          <p:cNvPr id="182" name="Google Shape;182;g1745e71d06c_0_17:notes"/>
           <p:cNvSpPr/>
           <p:nvPr>
             <p:ph idx="2" type="sldImg"/>
@@ -1639,7 +1641,7 @@
       </p:sp>
       <p:sp>
         <p:nvSpPr>
-          <p:cNvPr id="183" name="Google Shape;183;g1745e71d06c_0_29:notes"/>
+          <p:cNvPr id="183" name="Google Shape;183;g1745e71d06c_0_17:notes"/>
           <p:cNvSpPr txBox="1"/>
           <p:nvPr>
             <p:ph idx="1" type="body"/>
@@ -1689,7 +1691,7 @@
   <p:cSld>
     <p:spTree>
       <p:nvGrpSpPr>
-        <p:cNvPr id="187" name="Shape 187"/>
+        <p:cNvPr id="189" name="Shape 189"/>
         <p:cNvGrpSpPr/>
         <p:nvPr/>
       </p:nvGrpSpPr>
@@ -1703,7 +1705,7 @@
       </p:grpSpPr>
       <p:sp>
         <p:nvSpPr>
-          <p:cNvPr id="188" name="Google Shape;188;g176736a8dcd_0_0:notes"/>
+          <p:cNvPr id="190" name="Google Shape;190;g1745e71d06c_0_24:notes"/>
           <p:cNvSpPr/>
           <p:nvPr>
             <p:ph idx="2" type="sldImg"/>
@@ -1738,7 +1740,7 @@
       </p:sp>
       <p:sp>
         <p:nvSpPr>
-          <p:cNvPr id="189" name="Google Shape;189;g176736a8dcd_0_0:notes"/>
+          <p:cNvPr id="191" name="Google Shape;191;g1745e71d06c_0_24:notes"/>
           <p:cNvSpPr txBox="1"/>
           <p:nvPr>
             <p:ph idx="1" type="body"/>
@@ -1887,7 +1889,7 @@
   <p:cSld>
     <p:spTree>
       <p:nvGrpSpPr>
-        <p:cNvPr id="196" name="Shape 196"/>
+        <p:cNvPr id="195" name="Shape 195"/>
         <p:cNvGrpSpPr/>
         <p:nvPr/>
       </p:nvGrpSpPr>
@@ -1901,7 +1903,7 @@
       </p:grpSpPr>
       <p:sp>
         <p:nvSpPr>
-          <p:cNvPr id="197" name="Google Shape;197;g1745e71d06c_0_0:notes"/>
+          <p:cNvPr id="196" name="Google Shape;196;g1745e71d06c_0_29:notes"/>
           <p:cNvSpPr/>
           <p:nvPr>
             <p:ph idx="2" type="sldImg"/>
@@ -1936,7 +1938,7 @@
       </p:sp>
       <p:sp>
         <p:nvSpPr>
-          <p:cNvPr id="198" name="Google Shape;198;g1745e71d06c_0_0:notes"/>
+          <p:cNvPr id="197" name="Google Shape;197;g1745e71d06c_0_29:notes"/>
           <p:cNvSpPr txBox="1"/>
           <p:nvPr>
             <p:ph idx="1" type="body"/>
@@ -1986,7 +1988,7 @@
   <p:cSld>
     <p:spTree>
       <p:nvGrpSpPr>
-        <p:cNvPr id="203" name="Shape 203"/>
+        <p:cNvPr id="201" name="Shape 201"/>
         <p:cNvGrpSpPr/>
         <p:nvPr/>
       </p:nvGrpSpPr>
@@ -2000,7 +2002,7 @@
       </p:grpSpPr>
       <p:sp>
         <p:nvSpPr>
-          <p:cNvPr id="204" name="Google Shape;204;g175557fdc33_0_3:notes"/>
+          <p:cNvPr id="202" name="Google Shape;202;g176736a8dcd_0_0:notes"/>
           <p:cNvSpPr/>
           <p:nvPr>
             <p:ph idx="2" type="sldImg"/>
@@ -2035,7 +2037,7 @@
       </p:sp>
       <p:sp>
         <p:nvSpPr>
-          <p:cNvPr id="205" name="Google Shape;205;g175557fdc33_0_3:notes"/>
+          <p:cNvPr id="203" name="Google Shape;203;g176736a8dcd_0_0:notes"/>
           <p:cNvSpPr txBox="1"/>
           <p:nvPr>
             <p:ph idx="1" type="body"/>
@@ -2085,7 +2087,7 @@
   <p:cSld>
     <p:spTree>
       <p:nvGrpSpPr>
-        <p:cNvPr id="208" name="Shape 208"/>
+        <p:cNvPr id="210" name="Shape 210"/>
         <p:cNvGrpSpPr/>
         <p:nvPr/>
       </p:nvGrpSpPr>
@@ -2099,7 +2101,7 @@
       </p:grpSpPr>
       <p:sp>
         <p:nvSpPr>
-          <p:cNvPr id="209" name="Google Shape;209;g16d9af04063_0_0:notes"/>
+          <p:cNvPr id="211" name="Google Shape;211;g1745e71d06c_0_0:notes"/>
           <p:cNvSpPr/>
           <p:nvPr>
             <p:ph idx="2" type="sldImg"/>
@@ -2134,7 +2136,7 @@
       </p:sp>
       <p:sp>
         <p:nvSpPr>
-          <p:cNvPr id="210" name="Google Shape;210;g16d9af04063_0_0:notes"/>
+          <p:cNvPr id="212" name="Google Shape;212;g1745e71d06c_0_0:notes"/>
           <p:cNvSpPr txBox="1"/>
           <p:nvPr>
             <p:ph idx="1" type="body"/>
@@ -2184,7 +2186,7 @@
   <p:cSld>
     <p:spTree>
       <p:nvGrpSpPr>
-        <p:cNvPr id="215" name="Shape 215"/>
+        <p:cNvPr id="217" name="Shape 217"/>
         <p:cNvGrpSpPr/>
         <p:nvPr/>
       </p:nvGrpSpPr>
@@ -2198,7 +2200,7 @@
       </p:grpSpPr>
       <p:sp>
         <p:nvSpPr>
-          <p:cNvPr id="216" name="Google Shape;216;g173fe3bf3d4_0_43:notes"/>
+          <p:cNvPr id="218" name="Google Shape;218;g175557fdc33_0_3:notes"/>
           <p:cNvSpPr/>
           <p:nvPr>
             <p:ph idx="2" type="sldImg"/>
@@ -2233,7 +2235,205 @@
       </p:sp>
       <p:sp>
         <p:nvSpPr>
-          <p:cNvPr id="217" name="Google Shape;217;g173fe3bf3d4_0_43:notes"/>
+          <p:cNvPr id="219" name="Google Shape;219;g175557fdc33_0_3:notes"/>
+          <p:cNvSpPr txBox="1"/>
+          <p:nvPr>
+            <p:ph idx="1" type="body"/>
+          </p:nvPr>
+        </p:nvSpPr>
+        <p:spPr>
+          <a:xfrm>
+            <a:off x="762000" y="4826000"/>
+            <a:ext cx="6096000" cy="4572000"/>
+          </a:xfrm>
+          <a:prstGeom prst="rect">
+            <a:avLst/>
+          </a:prstGeom>
+        </p:spPr>
+        <p:txBody>
+          <a:bodyPr anchorCtr="0" anchor="t" bIns="91425" lIns="91425" spcFirstLastPara="1" rIns="91425" wrap="square" tIns="91425">
+            <a:noAutofit/>
+          </a:bodyPr>
+          <a:lstStyle/>
+          <a:p>
+            <a:pPr indent="0" lvl="0" marL="0" rtl="0" algn="l">
+              <a:spcBef>
+                <a:spcPts val="0"/>
+              </a:spcBef>
+              <a:spcAft>
+                <a:spcPts val="0"/>
+              </a:spcAft>
+              <a:buNone/>
+            </a:pPr>
+            <a:r>
+              <a:t/>
+            </a:r>
+            <a:endParaRPr/>
+          </a:p>
+        </p:txBody>
+      </p:sp>
+    </p:spTree>
+  </p:cSld>
+  <p:clrMapOvr>
+    <a:masterClrMapping/>
+  </p:clrMapOvr>
+</p:notes>
+</file>
+
+<file path=ppt/notesSlides/notesSlide24.xml><?xml version="1.0" encoding="utf-8"?>
+<p:notes xmlns:a="http://schemas.openxmlformats.org/drawingml/2006/main" xmlns:r="http://schemas.openxmlformats.org/officeDocument/2006/relationships" xmlns:mc="http://schemas.openxmlformats.org/markup-compatibility/2006" xmlns:mv="urn:schemas-microsoft-com:mac:vml" xmlns:p="http://schemas.openxmlformats.org/presentationml/2006/main" xmlns:c="http://schemas.openxmlformats.org/drawingml/2006/chart" xmlns:dgm="http://schemas.openxmlformats.org/drawingml/2006/diagram" xmlns:o="urn:schemas-microsoft-com:office:office" xmlns:v="urn:schemas-microsoft-com:vml" xmlns:pvml="urn:schemas-microsoft-com:office:powerpoint" xmlns:com="http://schemas.openxmlformats.org/drawingml/2006/compatibility" xmlns:p14="http://schemas.microsoft.com/office/powerpoint/2010/main" xmlns:p15="http://schemas.microsoft.com/office/powerpoint/2012/main" xmlns:ahyp="http://schemas.microsoft.com/office/drawing/2018/hyperlinkcolor" showMasterPhAnim="0" showMasterSp="0">
+  <p:cSld>
+    <p:spTree>
+      <p:nvGrpSpPr>
+        <p:cNvPr id="222" name="Shape 222"/>
+        <p:cNvGrpSpPr/>
+        <p:nvPr/>
+      </p:nvGrpSpPr>
+      <p:grpSpPr>
+        <a:xfrm>
+          <a:off x="0" y="0"/>
+          <a:ext cx="0" cy="0"/>
+          <a:chOff x="0" y="0"/>
+          <a:chExt cx="0" cy="0"/>
+        </a:xfrm>
+      </p:grpSpPr>
+      <p:sp>
+        <p:nvSpPr>
+          <p:cNvPr id="223" name="Google Shape;223;g16d9af04063_0_0:notes"/>
+          <p:cNvSpPr/>
+          <p:nvPr>
+            <p:ph idx="2" type="sldImg"/>
+          </p:nvPr>
+        </p:nvSpPr>
+        <p:spPr>
+          <a:xfrm>
+            <a:off x="423542" y="762000"/>
+            <a:ext cx="6773700" cy="3810000"/>
+          </a:xfrm>
+          <a:custGeom>
+            <a:rect b="b" l="l" r="r" t="t"/>
+            <a:pathLst>
+              <a:path extrusionOk="0" h="120000" w="120000">
+                <a:moveTo>
+                  <a:pt x="0" y="0"/>
+                </a:moveTo>
+                <a:lnTo>
+                  <a:pt x="120000" y="0"/>
+                </a:lnTo>
+                <a:lnTo>
+                  <a:pt x="120000" y="120000"/>
+                </a:lnTo>
+                <a:lnTo>
+                  <a:pt x="0" y="120000"/>
+                </a:lnTo>
+                <a:close/>
+              </a:path>
+            </a:pathLst>
+          </a:custGeom>
+        </p:spPr>
+      </p:sp>
+      <p:sp>
+        <p:nvSpPr>
+          <p:cNvPr id="224" name="Google Shape;224;g16d9af04063_0_0:notes"/>
+          <p:cNvSpPr txBox="1"/>
+          <p:nvPr>
+            <p:ph idx="1" type="body"/>
+          </p:nvPr>
+        </p:nvSpPr>
+        <p:spPr>
+          <a:xfrm>
+            <a:off x="762000" y="4826000"/>
+            <a:ext cx="6096000" cy="4572000"/>
+          </a:xfrm>
+          <a:prstGeom prst="rect">
+            <a:avLst/>
+          </a:prstGeom>
+        </p:spPr>
+        <p:txBody>
+          <a:bodyPr anchorCtr="0" anchor="t" bIns="91425" lIns="91425" spcFirstLastPara="1" rIns="91425" wrap="square" tIns="91425">
+            <a:noAutofit/>
+          </a:bodyPr>
+          <a:lstStyle/>
+          <a:p>
+            <a:pPr indent="0" lvl="0" marL="0" rtl="0" algn="l">
+              <a:spcBef>
+                <a:spcPts val="0"/>
+              </a:spcBef>
+              <a:spcAft>
+                <a:spcPts val="0"/>
+              </a:spcAft>
+              <a:buNone/>
+            </a:pPr>
+            <a:r>
+              <a:t/>
+            </a:r>
+            <a:endParaRPr/>
+          </a:p>
+        </p:txBody>
+      </p:sp>
+    </p:spTree>
+  </p:cSld>
+  <p:clrMapOvr>
+    <a:masterClrMapping/>
+  </p:clrMapOvr>
+</p:notes>
+</file>
+
+<file path=ppt/notesSlides/notesSlide25.xml><?xml version="1.0" encoding="utf-8"?>
+<p:notes xmlns:a="http://schemas.openxmlformats.org/drawingml/2006/main" xmlns:r="http://schemas.openxmlformats.org/officeDocument/2006/relationships" xmlns:mc="http://schemas.openxmlformats.org/markup-compatibility/2006" xmlns:mv="urn:schemas-microsoft-com:mac:vml" xmlns:p="http://schemas.openxmlformats.org/presentationml/2006/main" xmlns:c="http://schemas.openxmlformats.org/drawingml/2006/chart" xmlns:dgm="http://schemas.openxmlformats.org/drawingml/2006/diagram" xmlns:o="urn:schemas-microsoft-com:office:office" xmlns:v="urn:schemas-microsoft-com:vml" xmlns:pvml="urn:schemas-microsoft-com:office:powerpoint" xmlns:com="http://schemas.openxmlformats.org/drawingml/2006/compatibility" xmlns:p14="http://schemas.microsoft.com/office/powerpoint/2010/main" xmlns:p15="http://schemas.microsoft.com/office/powerpoint/2012/main" xmlns:ahyp="http://schemas.microsoft.com/office/drawing/2018/hyperlinkcolor" showMasterPhAnim="0" showMasterSp="0">
+  <p:cSld>
+    <p:spTree>
+      <p:nvGrpSpPr>
+        <p:cNvPr id="229" name="Shape 229"/>
+        <p:cNvGrpSpPr/>
+        <p:nvPr/>
+      </p:nvGrpSpPr>
+      <p:grpSpPr>
+        <a:xfrm>
+          <a:off x="0" y="0"/>
+          <a:ext cx="0" cy="0"/>
+          <a:chOff x="0" y="0"/>
+          <a:chExt cx="0" cy="0"/>
+        </a:xfrm>
+      </p:grpSpPr>
+      <p:sp>
+        <p:nvSpPr>
+          <p:cNvPr id="230" name="Google Shape;230;g173fe3bf3d4_0_43:notes"/>
+          <p:cNvSpPr/>
+          <p:nvPr>
+            <p:ph idx="2" type="sldImg"/>
+          </p:nvPr>
+        </p:nvSpPr>
+        <p:spPr>
+          <a:xfrm>
+            <a:off x="423542" y="762000"/>
+            <a:ext cx="6773700" cy="3810000"/>
+          </a:xfrm>
+          <a:custGeom>
+            <a:rect b="b" l="l" r="r" t="t"/>
+            <a:pathLst>
+              <a:path extrusionOk="0" h="120000" w="120000">
+                <a:moveTo>
+                  <a:pt x="0" y="0"/>
+                </a:moveTo>
+                <a:lnTo>
+                  <a:pt x="120000" y="0"/>
+                </a:lnTo>
+                <a:lnTo>
+                  <a:pt x="120000" y="120000"/>
+                </a:lnTo>
+                <a:lnTo>
+                  <a:pt x="0" y="120000"/>
+                </a:lnTo>
+                <a:close/>
+              </a:path>
+            </a:pathLst>
+          </a:custGeom>
+        </p:spPr>
+      </p:sp>
+      <p:sp>
+        <p:nvSpPr>
+          <p:cNvPr id="231" name="Google Shape;231;g173fe3bf3d4_0_43:notes"/>
           <p:cNvSpPr txBox="1"/>
           <p:nvPr>
             <p:ph idx="1" type="body"/>
@@ -2693,7 +2893,7 @@
       </p:grpSpPr>
       <p:sp>
         <p:nvSpPr>
-          <p:cNvPr id="112" name="Google Shape;112;g173fe3bf3d4_0_8:notes"/>
+          <p:cNvPr id="112" name="Google Shape;112;g17c1e886a9d_1_0:notes"/>
           <p:cNvSpPr/>
           <p:nvPr>
             <p:ph idx="2" type="sldImg"/>
@@ -2728,7 +2928,7 @@
       </p:sp>
       <p:sp>
         <p:nvSpPr>
-          <p:cNvPr id="113" name="Google Shape;113;g173fe3bf3d4_0_8:notes"/>
+          <p:cNvPr id="113" name="Google Shape;113;g17c1e886a9d_1_0:notes"/>
           <p:cNvSpPr txBox="1"/>
           <p:nvPr>
             <p:ph idx="1" type="body"/>
@@ -2778,7 +2978,7 @@
   <p:cSld>
     <p:spTree>
       <p:nvGrpSpPr>
-        <p:cNvPr id="117" name="Shape 117"/>
+        <p:cNvPr id="118" name="Shape 118"/>
         <p:cNvGrpSpPr/>
         <p:nvPr/>
       </p:nvGrpSpPr>
@@ -2792,7 +2992,7 @@
       </p:grpSpPr>
       <p:sp>
         <p:nvSpPr>
-          <p:cNvPr id="118" name="Google Shape;118;g16f3762c392_0_34:notes"/>
+          <p:cNvPr id="119" name="Google Shape;119;g173fe3bf3d4_0_8:notes"/>
           <p:cNvSpPr/>
           <p:nvPr>
             <p:ph idx="2" type="sldImg"/>
@@ -2827,7 +3027,7 @@
       </p:sp>
       <p:sp>
         <p:nvSpPr>
-          <p:cNvPr id="119" name="Google Shape;119;g16f3762c392_0_34:notes"/>
+          <p:cNvPr id="120" name="Google Shape;120;g173fe3bf3d4_0_8:notes"/>
           <p:cNvSpPr txBox="1"/>
           <p:nvPr>
             <p:ph idx="1" type="body"/>
@@ -2877,7 +3077,7 @@
   <p:cSld>
     <p:spTree>
       <p:nvGrpSpPr>
-        <p:cNvPr id="123" name="Shape 123"/>
+        <p:cNvPr id="124" name="Shape 124"/>
         <p:cNvGrpSpPr/>
         <p:nvPr/>
       </p:nvGrpSpPr>
@@ -2891,7 +3091,7 @@
       </p:grpSpPr>
       <p:sp>
         <p:nvSpPr>
-          <p:cNvPr id="124" name="Google Shape;124;g16f3762c392_0_46:notes"/>
+          <p:cNvPr id="125" name="Google Shape;125;g16f3762c392_0_34:notes"/>
           <p:cNvSpPr/>
           <p:nvPr>
             <p:ph idx="2" type="sldImg"/>
@@ -2926,7 +3126,7 @@
       </p:sp>
       <p:sp>
         <p:nvSpPr>
-          <p:cNvPr id="125" name="Google Shape;125;g16f3762c392_0_46:notes"/>
+          <p:cNvPr id="126" name="Google Shape;126;g16f3762c392_0_34:notes"/>
           <p:cNvSpPr txBox="1"/>
           <p:nvPr>
             <p:ph idx="1" type="body"/>
@@ -10909,8 +11109,8 @@
         </p:nvSpPr>
         <p:spPr>
           <a:xfrm>
-            <a:off x="685800" y="2840053"/>
-            <a:ext cx="7772400" cy="784800"/>
+            <a:off x="4738025" y="3876250"/>
+            <a:ext cx="3765300" cy="784800"/>
           </a:xfrm>
           <a:prstGeom prst="rect">
             <a:avLst/>
@@ -10932,7 +11132,8 @@
               <a:buNone/>
             </a:pPr>
             <a:r>
-              <a:t/>
+              <a:rPr lang="en-US"/>
+              <a:t>Pratheesh Russell S</a:t>
             </a:r>
             <a:endParaRPr/>
           </a:p>
@@ -10951,7 +11152,7 @@
   <p:cSld>
     <p:spTree>
       <p:nvGrpSpPr>
-        <p:cNvPr id="132" name="Shape 132"/>
+        <p:cNvPr id="133" name="Shape 133"/>
         <p:cNvGrpSpPr/>
         <p:nvPr/>
       </p:nvGrpSpPr>
@@ -10965,7 +11166,7 @@
       </p:grpSpPr>
       <p:sp>
         <p:nvSpPr>
-          <p:cNvPr id="133" name="Google Shape;133;p32"/>
+          <p:cNvPr id="134" name="Google Shape;134;p32"/>
           <p:cNvSpPr txBox="1"/>
           <p:nvPr>
             <p:ph type="title"/>
@@ -10997,7 +11198,7 @@
             </a:pPr>
             <a:r>
               <a:rPr lang="en-US"/>
-              <a:t>Total Blocking Time (TBT)</a:t>
+              <a:t>Optimize CLS</a:t>
             </a:r>
             <a:endParaRPr/>
           </a:p>
@@ -11005,7 +11206,209 @@
       </p:sp>
       <p:sp>
         <p:nvSpPr>
-          <p:cNvPr id="134" name="Google Shape;134;p32"/>
+          <p:cNvPr id="135" name="Google Shape;135;p32"/>
+          <p:cNvSpPr txBox="1"/>
+          <p:nvPr>
+            <p:ph idx="1" type="body"/>
+          </p:nvPr>
+        </p:nvSpPr>
+        <p:spPr>
+          <a:xfrm>
+            <a:off x="457200" y="1200150"/>
+            <a:ext cx="8229600" cy="2982300"/>
+          </a:xfrm>
+          <a:prstGeom prst="rect">
+            <a:avLst/>
+          </a:prstGeom>
+        </p:spPr>
+        <p:txBody>
+          <a:bodyPr anchorCtr="0" anchor="t" bIns="91625" lIns="91625" spcFirstLastPara="1" rIns="91625" wrap="square" tIns="91625">
+            <a:noAutofit/>
+          </a:bodyPr>
+          <a:lstStyle/>
+          <a:p>
+            <a:pPr indent="-323850" lvl="0" marL="457200" rtl="0" algn="l">
+              <a:spcBef>
+                <a:spcPts val="600"/>
+              </a:spcBef>
+              <a:spcAft>
+                <a:spcPts val="0"/>
+              </a:spcAft>
+              <a:buSzPts val="1500"/>
+              <a:buAutoNum type="arabicPeriod"/>
+            </a:pPr>
+            <a:r>
+              <a:rPr lang="en-US" sz="1500"/>
+              <a:t>Add dimensions to images</a:t>
+            </a:r>
+            <a:endParaRPr sz="1500"/>
+          </a:p>
+          <a:p>
+            <a:pPr indent="0" lvl="0" marL="457200" rtl="0" algn="l">
+              <a:spcBef>
+                <a:spcPts val="600"/>
+              </a:spcBef>
+              <a:spcAft>
+                <a:spcPts val="0"/>
+              </a:spcAft>
+              <a:buNone/>
+            </a:pPr>
+            <a:r>
+              <a:rPr lang="en-US" sz="1500"/>
+              <a:t>&lt;img src="puppy.jpg" width="640" height="360" alt="Puppy with balloons" /&gt;</a:t>
+            </a:r>
+            <a:endParaRPr sz="1500"/>
+          </a:p>
+          <a:p>
+            <a:pPr indent="-323850" lvl="0" marL="457200" rtl="0" algn="l">
+              <a:spcBef>
+                <a:spcPts val="600"/>
+              </a:spcBef>
+              <a:spcAft>
+                <a:spcPts val="0"/>
+              </a:spcAft>
+              <a:buSzPts val="1500"/>
+              <a:buAutoNum type="arabicPeriod"/>
+            </a:pPr>
+            <a:r>
+              <a:rPr lang="en-US" sz="1500"/>
+              <a:t>Add placeholders to content that load later</a:t>
+            </a:r>
+            <a:endParaRPr sz="1500"/>
+          </a:p>
+          <a:p>
+            <a:pPr indent="-323850" lvl="0" marL="457200" rtl="0" algn="l">
+              <a:spcBef>
+                <a:spcPts val="0"/>
+              </a:spcBef>
+              <a:spcAft>
+                <a:spcPts val="0"/>
+              </a:spcAft>
+              <a:buSzPts val="1500"/>
+              <a:buAutoNum type="arabicPeriod"/>
+            </a:pPr>
+            <a:r>
+              <a:rPr lang="en-US" sz="1500"/>
+              <a:t>Avoid inserting new content above existing content, unless in response to a user interaction. This ensures any layout shifts that occur are expected</a:t>
+            </a:r>
+            <a:endParaRPr sz="1500"/>
+          </a:p>
+        </p:txBody>
+      </p:sp>
+      <p:sp>
+        <p:nvSpPr>
+          <p:cNvPr id="136" name="Google Shape;136;p32"/>
+          <p:cNvSpPr txBox="1"/>
+          <p:nvPr/>
+        </p:nvSpPr>
+        <p:spPr>
+          <a:xfrm>
+            <a:off x="555650" y="4512775"/>
+            <a:ext cx="3011100" cy="400200"/>
+          </a:xfrm>
+          <a:prstGeom prst="rect">
+            <a:avLst/>
+          </a:prstGeom>
+          <a:noFill/>
+          <a:ln>
+            <a:noFill/>
+          </a:ln>
+        </p:spPr>
+        <p:txBody>
+          <a:bodyPr anchorCtr="0" anchor="t" bIns="91425" lIns="91425" spcFirstLastPara="1" rIns="91425" wrap="square" tIns="91425">
+            <a:spAutoFit/>
+          </a:bodyPr>
+          <a:lstStyle/>
+          <a:p>
+            <a:pPr indent="0" lvl="0" marL="0" rtl="0" algn="l">
+              <a:spcBef>
+                <a:spcPts val="0"/>
+              </a:spcBef>
+              <a:spcAft>
+                <a:spcPts val="0"/>
+              </a:spcAft>
+              <a:buNone/>
+            </a:pPr>
+            <a:r>
+              <a:rPr lang="en-US"/>
+              <a:t>Refer: https://web.dev/optimize-cls/</a:t>
+            </a:r>
+            <a:endParaRPr/>
+          </a:p>
+        </p:txBody>
+      </p:sp>
+    </p:spTree>
+  </p:cSld>
+  <p:clrMapOvr>
+    <a:masterClrMapping/>
+  </p:clrMapOvr>
+</p:sld>
+</file>
+
+<file path=ppt/slides/slide11.xml><?xml version="1.0" encoding="utf-8"?>
+<p:sld xmlns:a="http://schemas.openxmlformats.org/drawingml/2006/main" xmlns:r="http://schemas.openxmlformats.org/officeDocument/2006/relationships" xmlns:mc="http://schemas.openxmlformats.org/markup-compatibility/2006" xmlns:mv="urn:schemas-microsoft-com:mac:vml" xmlns:p="http://schemas.openxmlformats.org/presentationml/2006/main" xmlns:c="http://schemas.openxmlformats.org/drawingml/2006/chart" xmlns:dgm="http://schemas.openxmlformats.org/drawingml/2006/diagram" xmlns:o="urn:schemas-microsoft-com:office:office" xmlns:v="urn:schemas-microsoft-com:vml" xmlns:pvml="urn:schemas-microsoft-com:office:powerpoint" xmlns:com="http://schemas.openxmlformats.org/drawingml/2006/compatibility" xmlns:p14="http://schemas.microsoft.com/office/powerpoint/2010/main" xmlns:p15="http://schemas.microsoft.com/office/powerpoint/2012/main" xmlns:ahyp="http://schemas.microsoft.com/office/drawing/2018/hyperlinkcolor">
+  <p:cSld>
+    <p:spTree>
+      <p:nvGrpSpPr>
+        <p:cNvPr id="140" name="Shape 140"/>
+        <p:cNvGrpSpPr/>
+        <p:nvPr/>
+      </p:nvGrpSpPr>
+      <p:grpSpPr>
+        <a:xfrm>
+          <a:off x="0" y="0"/>
+          <a:ext cx="0" cy="0"/>
+          <a:chOff x="0" y="0"/>
+          <a:chExt cx="0" cy="0"/>
+        </a:xfrm>
+      </p:grpSpPr>
+      <p:sp>
+        <p:nvSpPr>
+          <p:cNvPr id="141" name="Google Shape;141;p33"/>
+          <p:cNvSpPr txBox="1"/>
+          <p:nvPr>
+            <p:ph type="title"/>
+          </p:nvPr>
+        </p:nvSpPr>
+        <p:spPr>
+          <a:xfrm>
+            <a:off x="457200" y="205978"/>
+            <a:ext cx="8229600" cy="857400"/>
+          </a:xfrm>
+          <a:prstGeom prst="rect">
+            <a:avLst/>
+          </a:prstGeom>
+        </p:spPr>
+        <p:txBody>
+          <a:bodyPr anchorCtr="0" anchor="b" bIns="91625" lIns="91625" spcFirstLastPara="1" rIns="91625" wrap="square" tIns="91625">
+            <a:noAutofit/>
+          </a:bodyPr>
+          <a:lstStyle/>
+          <a:p>
+            <a:pPr indent="0" lvl="0" marL="0" rtl="0" algn="l">
+              <a:spcBef>
+                <a:spcPts val="0"/>
+              </a:spcBef>
+              <a:spcAft>
+                <a:spcPts val="0"/>
+              </a:spcAft>
+              <a:buNone/>
+            </a:pPr>
+            <a:r>
+              <a:rPr lang="en-US"/>
+              <a:t>First Input Delay</a:t>
+            </a:r>
+            <a:r>
+              <a:rPr lang="en-US"/>
+              <a:t> (FID)</a:t>
+            </a:r>
+            <a:endParaRPr/>
+          </a:p>
+        </p:txBody>
+      </p:sp>
+      <p:sp>
+        <p:nvSpPr>
+          <p:cNvPr id="142" name="Google Shape;142;p33"/>
           <p:cNvSpPr txBox="1"/>
           <p:nvPr>
             <p:ph idx="1" type="body"/>
@@ -11036,6 +11439,30 @@
               <a:buNone/>
             </a:pPr>
             <a:r>
+              <a:rPr lang="en-US" sz="1500"/>
+              <a:t>FID is a core webvital that </a:t>
+            </a:r>
+            <a:r>
+              <a:rPr b="1" lang="en-US" sz="1500"/>
+              <a:t>can not</a:t>
+            </a:r>
+            <a:r>
+              <a:rPr lang="en-US" sz="1500"/>
+              <a:t> be measured directly in Lighthouse.</a:t>
+            </a:r>
+            <a:endParaRPr sz="1500"/>
+          </a:p>
+          <a:p>
+            <a:pPr indent="0" lvl="0" marL="0" rtl="0" algn="l">
+              <a:spcBef>
+                <a:spcPts val="600"/>
+              </a:spcBef>
+              <a:spcAft>
+                <a:spcPts val="0"/>
+              </a:spcAft>
+              <a:buNone/>
+            </a:pPr>
+            <a:r>
               <a:t/>
             </a:r>
             <a:endParaRPr sz="1500"/>
@@ -11051,12 +11478,31 @@
               <a:buNone/>
             </a:pPr>
             <a:r>
+              <a:rPr lang="en-US" sz="1500"/>
+              <a:t>FID measures the time from when a user first interacts with a page (i.e. when they click a link, tap on a button, or use a custom, JavaScript-powered control) to the time when the browser is actually able to begin processing event handlers in response to that interaction.</a:t>
+            </a:r>
+            <a:endParaRPr sz="1500"/>
+          </a:p>
+          <a:p>
+            <a:pPr indent="0" lvl="0" marL="0" rtl="0" algn="l">
+              <a:spcBef>
+                <a:spcPts val="600"/>
+              </a:spcBef>
+              <a:spcAft>
+                <a:spcPts val="0"/>
+              </a:spcAft>
+              <a:buNone/>
+            </a:pPr>
+            <a:r>
               <a:t/>
             </a:r>
             <a:endParaRPr sz="1500"/>
           </a:p>
           <a:p>
             <a:pPr indent="0" lvl="0" marL="0" rtl="0" algn="l">
+              <a:lnSpc>
+                <a:spcPct val="150000"/>
+              </a:lnSpc>
               <a:spcBef>
                 <a:spcPts val="600"/>
               </a:spcBef>
@@ -11066,39 +11512,43 @@
               <a:buNone/>
             </a:pPr>
             <a:r>
+              <a:rPr lang="en-US" sz="1400"/>
+              <a:t>Anything below 100ms is considered good and over 300ms is bad.</a:t>
+            </a:r>
+            <a:endParaRPr sz="1500"/>
+          </a:p>
+          <a:p>
+            <a:pPr indent="0" lvl="0" marL="0" rtl="0" algn="l">
+              <a:spcBef>
+                <a:spcPts val="600"/>
+              </a:spcBef>
+              <a:spcAft>
+                <a:spcPts val="0"/>
+              </a:spcAft>
+              <a:buNone/>
+            </a:pPr>
+            <a:r>
+              <a:t/>
+            </a:r>
+            <a:endParaRPr sz="1500"/>
+          </a:p>
+          <a:p>
+            <a:pPr indent="0" lvl="0" marL="0" rtl="0" algn="l">
+              <a:spcBef>
+                <a:spcPts val="600"/>
+              </a:spcBef>
+              <a:spcAft>
+                <a:spcPts val="0"/>
+              </a:spcAft>
+              <a:buNone/>
+            </a:pPr>
+            <a:r>
+              <a:rPr b="1" lang="en-US" sz="1500"/>
+              <a:t>NOTE:</a:t>
+            </a:r>
+            <a:r>
               <a:rPr lang="en-US" sz="1500"/>
-              <a:t>TBT is the lab equivalent of FID</a:t>
-            </a:r>
-            <a:endParaRPr sz="1500"/>
-          </a:p>
-          <a:p>
-            <a:pPr indent="0" lvl="0" marL="0" rtl="0" algn="l">
-              <a:spcBef>
-                <a:spcPts val="600"/>
-              </a:spcBef>
-              <a:spcAft>
-                <a:spcPts val="0"/>
-              </a:spcAft>
-              <a:buNone/>
-            </a:pPr>
-            <a:r>
-              <a:t/>
-            </a:r>
-            <a:endParaRPr sz="1500"/>
-          </a:p>
-          <a:p>
-            <a:pPr indent="0" lvl="0" marL="0" rtl="0" algn="l">
-              <a:spcBef>
-                <a:spcPts val="600"/>
-              </a:spcBef>
-              <a:spcAft>
-                <a:spcPts val="0"/>
-              </a:spcAft>
-              <a:buNone/>
-            </a:pPr>
-            <a:r>
-              <a:rPr lang="en-US" sz="1500"/>
-              <a:t>We will get back to TBT once we understand FCP and TTI</a:t>
+              <a:t> Since FID requires field data and thus cannot be measured in the lab. The Total Blocking Time (TBT) which is lab-measurable, correlates well with FID in the field, and also captures issues that affect interactivity. Optimizations that improve TBT in the lab should also improve FID.</a:t>
             </a:r>
             <a:endParaRPr sz="1500"/>
           </a:p>
@@ -11112,12 +11562,12 @@
 </p:sld>
 </file>
 
-<file path=ppt/slides/slide11.xml><?xml version="1.0" encoding="utf-8"?>
+<file path=ppt/slides/slide12.xml><?xml version="1.0" encoding="utf-8"?>
 <p:sld xmlns:a="http://schemas.openxmlformats.org/drawingml/2006/main" xmlns:r="http://schemas.openxmlformats.org/officeDocument/2006/relationships" xmlns:mc="http://schemas.openxmlformats.org/markup-compatibility/2006" xmlns:mv="urn:schemas-microsoft-com:mac:vml" xmlns:p="http://schemas.openxmlformats.org/presentationml/2006/main" xmlns:c="http://schemas.openxmlformats.org/drawingml/2006/chart" xmlns:dgm="http://schemas.openxmlformats.org/drawingml/2006/diagram" xmlns:o="urn:schemas-microsoft-com:office:office" xmlns:v="urn:schemas-microsoft-com:vml" xmlns:pvml="urn:schemas-microsoft-com:office:powerpoint" xmlns:com="http://schemas.openxmlformats.org/drawingml/2006/compatibility" xmlns:p14="http://schemas.microsoft.com/office/powerpoint/2010/main" xmlns:p15="http://schemas.microsoft.com/office/powerpoint/2012/main" xmlns:ahyp="http://schemas.microsoft.com/office/drawing/2018/hyperlinkcolor">
   <p:cSld>
     <p:spTree>
       <p:nvGrpSpPr>
-        <p:cNvPr id="138" name="Shape 138"/>
+        <p:cNvPr id="146" name="Shape 146"/>
         <p:cNvGrpSpPr/>
         <p:nvPr/>
       </p:nvGrpSpPr>
@@ -11131,7 +11581,7 @@
       </p:grpSpPr>
       <p:sp>
         <p:nvSpPr>
-          <p:cNvPr id="139" name="Google Shape;139;p33"/>
+          <p:cNvPr id="147" name="Google Shape;147;p34"/>
           <p:cNvSpPr txBox="1"/>
           <p:nvPr>
             <p:ph type="title"/>
@@ -11163,7 +11613,7 @@
             </a:pPr>
             <a:r>
               <a:rPr lang="en-US"/>
-              <a:t>First Contentful Paint (FCP)</a:t>
+              <a:t>Total Blocking Time (TBT)</a:t>
             </a:r>
             <a:endParaRPr/>
           </a:p>
@@ -11171,7 +11621,173 @@
       </p:sp>
       <p:sp>
         <p:nvSpPr>
-          <p:cNvPr id="140" name="Google Shape;140;p33"/>
+          <p:cNvPr id="148" name="Google Shape;148;p34"/>
+          <p:cNvSpPr txBox="1"/>
+          <p:nvPr>
+            <p:ph idx="1" type="body"/>
+          </p:nvPr>
+        </p:nvSpPr>
+        <p:spPr>
+          <a:xfrm>
+            <a:off x="457200" y="1200150"/>
+            <a:ext cx="8229600" cy="3725700"/>
+          </a:xfrm>
+          <a:prstGeom prst="rect">
+            <a:avLst/>
+          </a:prstGeom>
+        </p:spPr>
+        <p:txBody>
+          <a:bodyPr anchorCtr="0" anchor="t" bIns="91625" lIns="91625" spcFirstLastPara="1" rIns="91625" wrap="square" tIns="91625">
+            <a:noAutofit/>
+          </a:bodyPr>
+          <a:lstStyle/>
+          <a:p>
+            <a:pPr indent="0" lvl="0" marL="0" rtl="0" algn="l">
+              <a:spcBef>
+                <a:spcPts val="600"/>
+              </a:spcBef>
+              <a:spcAft>
+                <a:spcPts val="0"/>
+              </a:spcAft>
+              <a:buNone/>
+            </a:pPr>
+            <a:r>
+              <a:t/>
+            </a:r>
+            <a:endParaRPr sz="1500"/>
+          </a:p>
+          <a:p>
+            <a:pPr indent="0" lvl="0" marL="0" rtl="0" algn="l">
+              <a:spcBef>
+                <a:spcPts val="600"/>
+              </a:spcBef>
+              <a:spcAft>
+                <a:spcPts val="0"/>
+              </a:spcAft>
+              <a:buNone/>
+            </a:pPr>
+            <a:r>
+              <a:t/>
+            </a:r>
+            <a:endParaRPr sz="1500"/>
+          </a:p>
+          <a:p>
+            <a:pPr indent="0" lvl="0" marL="0" rtl="0" algn="l">
+              <a:spcBef>
+                <a:spcPts val="600"/>
+              </a:spcBef>
+              <a:spcAft>
+                <a:spcPts val="0"/>
+              </a:spcAft>
+              <a:buNone/>
+            </a:pPr>
+            <a:r>
+              <a:rPr lang="en-US" sz="1500"/>
+              <a:t>TBT is the lab equivalent of FID</a:t>
+            </a:r>
+            <a:endParaRPr sz="1500"/>
+          </a:p>
+          <a:p>
+            <a:pPr indent="0" lvl="0" marL="0" rtl="0" algn="l">
+              <a:spcBef>
+                <a:spcPts val="600"/>
+              </a:spcBef>
+              <a:spcAft>
+                <a:spcPts val="0"/>
+              </a:spcAft>
+              <a:buNone/>
+            </a:pPr>
+            <a:r>
+              <a:t/>
+            </a:r>
+            <a:endParaRPr sz="1500"/>
+          </a:p>
+          <a:p>
+            <a:pPr indent="0" lvl="0" marL="0" rtl="0" algn="l">
+              <a:spcBef>
+                <a:spcPts val="600"/>
+              </a:spcBef>
+              <a:spcAft>
+                <a:spcPts val="0"/>
+              </a:spcAft>
+              <a:buNone/>
+            </a:pPr>
+            <a:r>
+              <a:rPr lang="en-US" sz="1500"/>
+              <a:t>We will get back to TBT once we understand FCP and TTI</a:t>
+            </a:r>
+            <a:endParaRPr sz="1500"/>
+          </a:p>
+        </p:txBody>
+      </p:sp>
+    </p:spTree>
+  </p:cSld>
+  <p:clrMapOvr>
+    <a:masterClrMapping/>
+  </p:clrMapOvr>
+</p:sld>
+</file>
+
+<file path=ppt/slides/slide13.xml><?xml version="1.0" encoding="utf-8"?>
+<p:sld xmlns:a="http://schemas.openxmlformats.org/drawingml/2006/main" xmlns:r="http://schemas.openxmlformats.org/officeDocument/2006/relationships" xmlns:mc="http://schemas.openxmlformats.org/markup-compatibility/2006" xmlns:mv="urn:schemas-microsoft-com:mac:vml" xmlns:p="http://schemas.openxmlformats.org/presentationml/2006/main" xmlns:c="http://schemas.openxmlformats.org/drawingml/2006/chart" xmlns:dgm="http://schemas.openxmlformats.org/drawingml/2006/diagram" xmlns:o="urn:schemas-microsoft-com:office:office" xmlns:v="urn:schemas-microsoft-com:vml" xmlns:pvml="urn:schemas-microsoft-com:office:powerpoint" xmlns:com="http://schemas.openxmlformats.org/drawingml/2006/compatibility" xmlns:p14="http://schemas.microsoft.com/office/powerpoint/2010/main" xmlns:p15="http://schemas.microsoft.com/office/powerpoint/2012/main" xmlns:ahyp="http://schemas.microsoft.com/office/drawing/2018/hyperlinkcolor">
+  <p:cSld>
+    <p:spTree>
+      <p:nvGrpSpPr>
+        <p:cNvPr id="152" name="Shape 152"/>
+        <p:cNvGrpSpPr/>
+        <p:nvPr/>
+      </p:nvGrpSpPr>
+      <p:grpSpPr>
+        <a:xfrm>
+          <a:off x="0" y="0"/>
+          <a:ext cx="0" cy="0"/>
+          <a:chOff x="0" y="0"/>
+          <a:chExt cx="0" cy="0"/>
+        </a:xfrm>
+      </p:grpSpPr>
+      <p:sp>
+        <p:nvSpPr>
+          <p:cNvPr id="153" name="Google Shape;153;p35"/>
+          <p:cNvSpPr txBox="1"/>
+          <p:nvPr>
+            <p:ph type="title"/>
+          </p:nvPr>
+        </p:nvSpPr>
+        <p:spPr>
+          <a:xfrm>
+            <a:off x="457200" y="205978"/>
+            <a:ext cx="8229600" cy="857400"/>
+          </a:xfrm>
+          <a:prstGeom prst="rect">
+            <a:avLst/>
+          </a:prstGeom>
+        </p:spPr>
+        <p:txBody>
+          <a:bodyPr anchorCtr="0" anchor="b" bIns="91625" lIns="91625" spcFirstLastPara="1" rIns="91625" wrap="square" tIns="91625">
+            <a:noAutofit/>
+          </a:bodyPr>
+          <a:lstStyle/>
+          <a:p>
+            <a:pPr indent="0" lvl="0" marL="0" rtl="0" algn="l">
+              <a:spcBef>
+                <a:spcPts val="0"/>
+              </a:spcBef>
+              <a:spcAft>
+                <a:spcPts val="0"/>
+              </a:spcAft>
+              <a:buNone/>
+            </a:pPr>
+            <a:r>
+              <a:rPr lang="en-US"/>
+              <a:t>First Contentful Paint (FCP)</a:t>
+            </a:r>
+            <a:endParaRPr/>
+          </a:p>
+        </p:txBody>
+      </p:sp>
+      <p:sp>
+        <p:nvSpPr>
+          <p:cNvPr id="154" name="Google Shape;154;p35"/>
           <p:cNvSpPr txBox="1"/>
           <p:nvPr>
             <p:ph idx="1" type="body"/>
@@ -11270,7 +11886,7 @@
             </a:pPr>
             <a:r>
               <a:rPr lang="en-US" sz="1400"/>
-              <a:t>FCP accounts for 25% of overall score in Lighthouse(ver 9).</a:t>
+              <a:t>FCP accounts for 10% of overall score in Lighthouse(ver 9).</a:t>
             </a:r>
             <a:endParaRPr sz="1400"/>
           </a:p>
@@ -11440,469 +12056,6 @@
           </a:p>
         </p:txBody>
       </p:sp>
-    </p:spTree>
-  </p:cSld>
-  <p:clrMapOvr>
-    <a:masterClrMapping/>
-  </p:clrMapOvr>
-</p:sld>
-</file>
-
-<file path=ppt/slides/slide12.xml><?xml version="1.0" encoding="utf-8"?>
-<p:sld xmlns:a="http://schemas.openxmlformats.org/drawingml/2006/main" xmlns:r="http://schemas.openxmlformats.org/officeDocument/2006/relationships" xmlns:mc="http://schemas.openxmlformats.org/markup-compatibility/2006" xmlns:mv="urn:schemas-microsoft-com:mac:vml" xmlns:p="http://schemas.openxmlformats.org/presentationml/2006/main" xmlns:c="http://schemas.openxmlformats.org/drawingml/2006/chart" xmlns:dgm="http://schemas.openxmlformats.org/drawingml/2006/diagram" xmlns:o="urn:schemas-microsoft-com:office:office" xmlns:v="urn:schemas-microsoft-com:vml" xmlns:pvml="urn:schemas-microsoft-com:office:powerpoint" xmlns:com="http://schemas.openxmlformats.org/drawingml/2006/compatibility" xmlns:p14="http://schemas.microsoft.com/office/powerpoint/2010/main" xmlns:p15="http://schemas.microsoft.com/office/powerpoint/2012/main" xmlns:ahyp="http://schemas.microsoft.com/office/drawing/2018/hyperlinkcolor">
-  <p:cSld>
-    <p:spTree>
-      <p:nvGrpSpPr>
-        <p:cNvPr id="144" name="Shape 144"/>
-        <p:cNvGrpSpPr/>
-        <p:nvPr/>
-      </p:nvGrpSpPr>
-      <p:grpSpPr>
-        <a:xfrm>
-          <a:off x="0" y="0"/>
-          <a:ext cx="0" cy="0"/>
-          <a:chOff x="0" y="0"/>
-          <a:chExt cx="0" cy="0"/>
-        </a:xfrm>
-      </p:grpSpPr>
-      <p:sp>
-        <p:nvSpPr>
-          <p:cNvPr id="145" name="Google Shape;145;p34"/>
-          <p:cNvSpPr txBox="1"/>
-          <p:nvPr>
-            <p:ph type="title"/>
-          </p:nvPr>
-        </p:nvSpPr>
-        <p:spPr>
-          <a:xfrm>
-            <a:off x="457200" y="205978"/>
-            <a:ext cx="8229600" cy="857400"/>
-          </a:xfrm>
-          <a:prstGeom prst="rect">
-            <a:avLst/>
-          </a:prstGeom>
-        </p:spPr>
-        <p:txBody>
-          <a:bodyPr anchorCtr="0" anchor="b" bIns="91625" lIns="91625" spcFirstLastPara="1" rIns="91625" wrap="square" tIns="91625">
-            <a:noAutofit/>
-          </a:bodyPr>
-          <a:lstStyle/>
-          <a:p>
-            <a:pPr indent="0" lvl="0" marL="0" rtl="0" algn="l">
-              <a:spcBef>
-                <a:spcPts val="0"/>
-              </a:spcBef>
-              <a:spcAft>
-                <a:spcPts val="0"/>
-              </a:spcAft>
-              <a:buNone/>
-            </a:pPr>
-            <a:r>
-              <a:rPr lang="en-US"/>
-              <a:t>Time to Interactive (TTI)</a:t>
-            </a:r>
-            <a:endParaRPr/>
-          </a:p>
-        </p:txBody>
-      </p:sp>
-      <p:sp>
-        <p:nvSpPr>
-          <p:cNvPr id="146" name="Google Shape;146;p34"/>
-          <p:cNvSpPr txBox="1"/>
-          <p:nvPr>
-            <p:ph idx="1" type="body"/>
-          </p:nvPr>
-        </p:nvSpPr>
-        <p:spPr>
-          <a:xfrm>
-            <a:off x="457200" y="1215175"/>
-            <a:ext cx="8229600" cy="3725700"/>
-          </a:xfrm>
-          <a:prstGeom prst="rect">
-            <a:avLst/>
-          </a:prstGeom>
-        </p:spPr>
-        <p:txBody>
-          <a:bodyPr anchorCtr="0" anchor="t" bIns="91625" lIns="91625" spcFirstLastPara="1" rIns="91625" wrap="square" tIns="91625">
-            <a:noAutofit/>
-          </a:bodyPr>
-          <a:lstStyle/>
-          <a:p>
-            <a:pPr indent="0" lvl="0" marL="0" rtl="0" algn="l">
-              <a:spcBef>
-                <a:spcPts val="600"/>
-              </a:spcBef>
-              <a:spcAft>
-                <a:spcPts val="0"/>
-              </a:spcAft>
-              <a:buNone/>
-            </a:pPr>
-            <a:r>
-              <a:rPr lang="en-US" sz="1500"/>
-              <a:t>TTI </a:t>
-            </a:r>
-            <a:r>
-              <a:rPr lang="en-US" sz="1400"/>
-              <a:t>is not a core web vital - however, it is used to calculate TBT which is a lab equivalent to FID.</a:t>
-            </a:r>
-            <a:endParaRPr sz="1400"/>
-          </a:p>
-          <a:p>
-            <a:pPr indent="0" lvl="0" marL="0" rtl="0" algn="l">
-              <a:spcBef>
-                <a:spcPts val="600"/>
-              </a:spcBef>
-              <a:spcAft>
-                <a:spcPts val="0"/>
-              </a:spcAft>
-              <a:buNone/>
-            </a:pPr>
-            <a:r>
-              <a:t/>
-            </a:r>
-            <a:endParaRPr sz="1400"/>
-          </a:p>
-          <a:p>
-            <a:pPr indent="0" lvl="0" marL="0" rtl="0" algn="l">
-              <a:spcBef>
-                <a:spcPts val="600"/>
-              </a:spcBef>
-              <a:spcAft>
-                <a:spcPts val="0"/>
-              </a:spcAft>
-              <a:buNone/>
-            </a:pPr>
-            <a:r>
-              <a:rPr lang="en-US" sz="1400"/>
-              <a:t>TTI measures how long it takes a page to become fully interactive. </a:t>
-            </a:r>
-            <a:r>
-              <a:rPr lang="en-US" sz="1500"/>
-              <a:t>TTI is a point when the last Long Task(greater than 50ms) finishes and is followed by 5 seconds of inactivity on the main thread</a:t>
-            </a:r>
-            <a:r>
-              <a:rPr lang="en-US" sz="1400"/>
-              <a:t>.(Refer Demo)</a:t>
-            </a:r>
-            <a:endParaRPr sz="1400"/>
-          </a:p>
-          <a:p>
-            <a:pPr indent="0" lvl="0" marL="0" rtl="0" algn="l">
-              <a:spcBef>
-                <a:spcPts val="600"/>
-              </a:spcBef>
-              <a:spcAft>
-                <a:spcPts val="0"/>
-              </a:spcAft>
-              <a:buNone/>
-            </a:pPr>
-            <a:r>
-              <a:t/>
-            </a:r>
-            <a:endParaRPr sz="1400"/>
-          </a:p>
-          <a:p>
-            <a:pPr indent="0" lvl="0" marL="0" rtl="0" algn="l">
-              <a:spcBef>
-                <a:spcPts val="600"/>
-              </a:spcBef>
-              <a:spcAft>
-                <a:spcPts val="0"/>
-              </a:spcAft>
-              <a:buClr>
-                <a:schemeClr val="dk1"/>
-              </a:buClr>
-              <a:buSzPts val="1100"/>
-              <a:buFont typeface="Arial"/>
-              <a:buNone/>
-            </a:pPr>
-            <a:r>
-              <a:rPr lang="en-US" sz="1400"/>
-              <a:t>TTI accounts for 10% of overall score in Lighthouse(ver 9).</a:t>
-            </a:r>
-            <a:endParaRPr sz="1400"/>
-          </a:p>
-          <a:p>
-            <a:pPr indent="0" lvl="0" marL="0" rtl="0" algn="l">
-              <a:spcBef>
-                <a:spcPts val="600"/>
-              </a:spcBef>
-              <a:spcAft>
-                <a:spcPts val="0"/>
-              </a:spcAft>
-              <a:buClr>
-                <a:schemeClr val="dk1"/>
-              </a:buClr>
-              <a:buSzPts val="1100"/>
-              <a:buFont typeface="Arial"/>
-              <a:buNone/>
-            </a:pPr>
-            <a:r>
-              <a:t/>
-            </a:r>
-            <a:endParaRPr sz="1400"/>
-          </a:p>
-          <a:p>
-            <a:pPr indent="0" lvl="0" marL="0" rtl="0" algn="l">
-              <a:spcBef>
-                <a:spcPts val="600"/>
-              </a:spcBef>
-              <a:spcAft>
-                <a:spcPts val="0"/>
-              </a:spcAft>
-              <a:buClr>
-                <a:schemeClr val="dk1"/>
-              </a:buClr>
-              <a:buSzPts val="1100"/>
-              <a:buFont typeface="Arial"/>
-              <a:buNone/>
-            </a:pPr>
-            <a:r>
-              <a:rPr b="1" lang="en-US" sz="1500"/>
-              <a:t>Warning:</a:t>
-            </a:r>
-            <a:r>
-              <a:rPr lang="en-US" sz="1500"/>
-              <a:t> In the </a:t>
-            </a:r>
-            <a:r>
-              <a:rPr lang="en-US" sz="1500" u="sng">
-                <a:solidFill>
-                  <a:schemeClr val="hlink"/>
-                </a:solidFill>
-                <a:hlinkClick r:id="rId3"/>
-              </a:rPr>
-              <a:t>web.dev document</a:t>
-            </a:r>
-            <a:r>
-              <a:rPr lang="en-US" sz="1500"/>
-              <a:t> it has been mentioned that </a:t>
-            </a:r>
-            <a:r>
-              <a:rPr lang="en-US" sz="1400"/>
-              <a:t>any value below 3.8s is good and anything over 7.3s is bad, this seems to be for version 5. Lighthouse version 9 scores TTI differently, ie., anything below 2468 ms is good and over 4500 ms is bad.</a:t>
-            </a:r>
-            <a:endParaRPr sz="1400"/>
-          </a:p>
-          <a:p>
-            <a:pPr indent="0" lvl="0" marL="0" rtl="0" algn="l">
-              <a:spcBef>
-                <a:spcPts val="600"/>
-              </a:spcBef>
-              <a:spcAft>
-                <a:spcPts val="0"/>
-              </a:spcAft>
-              <a:buClr>
-                <a:schemeClr val="dk1"/>
-              </a:buClr>
-              <a:buSzPts val="1100"/>
-              <a:buFont typeface="Arial"/>
-              <a:buNone/>
-            </a:pPr>
-            <a:r>
-              <a:rPr lang="en-US" sz="1400"/>
-              <a:t>Check:  </a:t>
-            </a:r>
-            <a:r>
-              <a:rPr lang="en-US" sz="1400" u="sng">
-                <a:solidFill>
-                  <a:schemeClr val="hlink"/>
-                </a:solidFill>
-                <a:hlinkClick r:id="rId4"/>
-              </a:rPr>
-              <a:t>Lighthouse scoring calculator</a:t>
-            </a:r>
-            <a:endParaRPr sz="1400"/>
-          </a:p>
-          <a:p>
-            <a:pPr indent="0" lvl="0" marL="0" rtl="0" algn="l">
-              <a:spcBef>
-                <a:spcPts val="600"/>
-              </a:spcBef>
-              <a:spcAft>
-                <a:spcPts val="0"/>
-              </a:spcAft>
-              <a:buNone/>
-            </a:pPr>
-            <a:r>
-              <a:t/>
-            </a:r>
-            <a:endParaRPr sz="1400"/>
-          </a:p>
-        </p:txBody>
-      </p:sp>
-    </p:spTree>
-  </p:cSld>
-  <p:clrMapOvr>
-    <a:masterClrMapping/>
-  </p:clrMapOvr>
-</p:sld>
-</file>
-
-<file path=ppt/slides/slide13.xml><?xml version="1.0" encoding="utf-8"?>
-<p:sld xmlns:a="http://schemas.openxmlformats.org/drawingml/2006/main" xmlns:r="http://schemas.openxmlformats.org/officeDocument/2006/relationships" xmlns:mc="http://schemas.openxmlformats.org/markup-compatibility/2006" xmlns:mv="urn:schemas-microsoft-com:mac:vml" xmlns:p="http://schemas.openxmlformats.org/presentationml/2006/main" xmlns:c="http://schemas.openxmlformats.org/drawingml/2006/chart" xmlns:dgm="http://schemas.openxmlformats.org/drawingml/2006/diagram" xmlns:o="urn:schemas-microsoft-com:office:office" xmlns:v="urn:schemas-microsoft-com:vml" xmlns:pvml="urn:schemas-microsoft-com:office:powerpoint" xmlns:com="http://schemas.openxmlformats.org/drawingml/2006/compatibility" xmlns:p14="http://schemas.microsoft.com/office/powerpoint/2010/main" xmlns:p15="http://schemas.microsoft.com/office/powerpoint/2012/main" xmlns:ahyp="http://schemas.microsoft.com/office/drawing/2018/hyperlinkcolor">
-  <p:cSld>
-    <p:spTree>
-      <p:nvGrpSpPr>
-        <p:cNvPr id="150" name="Shape 150"/>
-        <p:cNvGrpSpPr/>
-        <p:nvPr/>
-      </p:nvGrpSpPr>
-      <p:grpSpPr>
-        <a:xfrm>
-          <a:off x="0" y="0"/>
-          <a:ext cx="0" cy="0"/>
-          <a:chOff x="0" y="0"/>
-          <a:chExt cx="0" cy="0"/>
-        </a:xfrm>
-      </p:grpSpPr>
-      <p:sp>
-        <p:nvSpPr>
-          <p:cNvPr id="151" name="Google Shape;151;p35"/>
-          <p:cNvSpPr txBox="1"/>
-          <p:nvPr>
-            <p:ph type="title"/>
-          </p:nvPr>
-        </p:nvSpPr>
-        <p:spPr>
-          <a:xfrm>
-            <a:off x="457200" y="205978"/>
-            <a:ext cx="8229600" cy="857400"/>
-          </a:xfrm>
-          <a:prstGeom prst="rect">
-            <a:avLst/>
-          </a:prstGeom>
-        </p:spPr>
-        <p:txBody>
-          <a:bodyPr anchorCtr="0" anchor="b" bIns="91625" lIns="91625" spcFirstLastPara="1" rIns="91625" wrap="square" tIns="91625">
-            <a:noAutofit/>
-          </a:bodyPr>
-          <a:lstStyle/>
-          <a:p>
-            <a:pPr indent="0" lvl="0" marL="0" rtl="0" algn="l">
-              <a:spcBef>
-                <a:spcPts val="0"/>
-              </a:spcBef>
-              <a:spcAft>
-                <a:spcPts val="0"/>
-              </a:spcAft>
-              <a:buNone/>
-            </a:pPr>
-            <a:r>
-              <a:rPr lang="en-US"/>
-              <a:t>Understanding TTI</a:t>
-            </a:r>
-            <a:endParaRPr/>
-          </a:p>
-        </p:txBody>
-      </p:sp>
-      <p:sp>
-        <p:nvSpPr>
-          <p:cNvPr id="152" name="Google Shape;152;p35"/>
-          <p:cNvSpPr txBox="1"/>
-          <p:nvPr>
-            <p:ph idx="1" type="body"/>
-          </p:nvPr>
-        </p:nvSpPr>
-        <p:spPr>
-          <a:xfrm>
-            <a:off x="457200" y="1200150"/>
-            <a:ext cx="8229600" cy="3725700"/>
-          </a:xfrm>
-          <a:prstGeom prst="rect">
-            <a:avLst/>
-          </a:prstGeom>
-        </p:spPr>
-        <p:txBody>
-          <a:bodyPr anchorCtr="0" anchor="t" bIns="91625" lIns="91625" spcFirstLastPara="1" rIns="91625" wrap="square" tIns="91625">
-            <a:noAutofit/>
-          </a:bodyPr>
-          <a:lstStyle/>
-          <a:p>
-            <a:pPr indent="0" lvl="0" marL="0" rtl="0" algn="l">
-              <a:spcBef>
-                <a:spcPts val="600"/>
-              </a:spcBef>
-              <a:spcAft>
-                <a:spcPts val="0"/>
-              </a:spcAft>
-              <a:buNone/>
-            </a:pPr>
-            <a:r>
-              <a:t/>
-            </a:r>
-            <a:endParaRPr sz="1500"/>
-          </a:p>
-        </p:txBody>
-      </p:sp>
-      <p:pic>
-        <p:nvPicPr>
-          <p:cNvPr id="153" name="Google Shape;153;p35"/>
-          <p:cNvPicPr preferRelativeResize="0"/>
-          <p:nvPr/>
-        </p:nvPicPr>
-        <p:blipFill>
-          <a:blip r:embed="rId3">
-            <a:alphaModFix/>
-          </a:blip>
-          <a:stretch>
-            <a:fillRect/>
-          </a:stretch>
-        </p:blipFill>
-        <p:spPr>
-          <a:xfrm>
-            <a:off x="524775" y="1247700"/>
-            <a:ext cx="8094451" cy="1857900"/>
-          </a:xfrm>
-          <a:prstGeom prst="rect">
-            <a:avLst/>
-          </a:prstGeom>
-          <a:noFill/>
-          <a:ln cap="flat" cmpd="sng" w="9525">
-            <a:solidFill>
-              <a:schemeClr val="dk1"/>
-            </a:solidFill>
-            <a:prstDash val="solid"/>
-            <a:round/>
-            <a:headEnd len="sm" w="sm" type="none"/>
-            <a:tailEnd len="sm" w="sm" type="none"/>
-          </a:ln>
-        </p:spPr>
-      </p:pic>
-      <p:pic>
-        <p:nvPicPr>
-          <p:cNvPr id="154" name="Google Shape;154;p35"/>
-          <p:cNvPicPr preferRelativeResize="0"/>
-          <p:nvPr/>
-        </p:nvPicPr>
-        <p:blipFill>
-          <a:blip r:embed="rId4">
-            <a:alphaModFix/>
-          </a:blip>
-          <a:stretch>
-            <a:fillRect/>
-          </a:stretch>
-        </p:blipFill>
-        <p:spPr>
-          <a:xfrm>
-            <a:off x="524775" y="3191675"/>
-            <a:ext cx="8094451" cy="1857887"/>
-          </a:xfrm>
-          <a:prstGeom prst="rect">
-            <a:avLst/>
-          </a:prstGeom>
-          <a:noFill/>
-          <a:ln cap="flat" cmpd="sng" w="9525">
-            <a:solidFill>
-              <a:schemeClr val="dk1"/>
-            </a:solidFill>
-            <a:prstDash val="solid"/>
-            <a:round/>
-            <a:headEnd len="sm" w="sm" type="none"/>
-            <a:tailEnd len="sm" w="sm" type="none"/>
-          </a:ln>
-        </p:spPr>
-      </p:pic>
     </p:spTree>
   </p:cSld>
   <p:clrMapOvr>
@@ -11962,7 +12115,7 @@
             </a:pPr>
             <a:r>
               <a:rPr lang="en-US"/>
-              <a:t>Understanding TTI</a:t>
+              <a:t>Time to Interactive (TTI)</a:t>
             </a:r>
             <a:endParaRPr/>
           </a:p>
@@ -11978,7 +12131,7 @@
         </p:nvSpPr>
         <p:spPr>
           <a:xfrm>
-            <a:off x="457200" y="1200150"/>
+            <a:off x="457200" y="1215175"/>
             <a:ext cx="8229600" cy="3725700"/>
           </a:xfrm>
           <a:prstGeom prst="rect">
@@ -12002,9 +12155,13 @@
             </a:pPr>
             <a:r>
               <a:rPr lang="en-US" sz="1500"/>
-              <a:t>In both the case seen in the previous slides the TTI should be almost the same, although the tasks in case 2 were not continuous, as in case 1, and the page would have been interactive.</a:t>
-            </a:r>
-            <a:endParaRPr sz="1500"/>
+              <a:t>TTI </a:t>
+            </a:r>
+            <a:r>
+              <a:rPr lang="en-US" sz="1400"/>
+              <a:t>is not a core web vital - however, it is used to calculate TBT which is a lab equivalent to FID.</a:t>
+            </a:r>
+            <a:endParaRPr sz="1400"/>
           </a:p>
           <a:p>
             <a:pPr indent="0" lvl="0" marL="0" rtl="0" algn="l">
@@ -12019,7 +12176,7 @@
             <a:r>
               <a:t/>
             </a:r>
-            <a:endParaRPr sz="1500"/>
+            <a:endParaRPr sz="1400"/>
           </a:p>
           <a:p>
             <a:pPr indent="0" lvl="0" marL="0" rtl="0" algn="l">
@@ -12032,10 +12189,18 @@
               <a:buNone/>
             </a:pPr>
             <a:r>
+              <a:rPr lang="en-US" sz="1400"/>
+              <a:t>TTI measures how long it takes a page to become fully interactive. </a:t>
+            </a:r>
+            <a:r>
               <a:rPr lang="en-US" sz="1500"/>
-              <a:t>You can also notice that there were smaller tasks that run after TTI within the 5second delay but are not considered.</a:t>
-            </a:r>
-            <a:endParaRPr sz="1500"/>
+              <a:t>TTI is a point when the last Long Task(greater than 50ms) finishes and is followed by 5 seconds of inactivity on the main thread</a:t>
+            </a:r>
+            <a:r>
+              <a:rPr lang="en-US" sz="1400"/>
+              <a:t>.(Refer Demo)</a:t>
+            </a:r>
+            <a:endParaRPr sz="1400"/>
           </a:p>
           <a:p>
             <a:pPr indent="0" lvl="0" marL="0" rtl="0" algn="l">
@@ -12050,7 +12215,7 @@
             <a:r>
               <a:t/>
             </a:r>
-            <a:endParaRPr sz="1500"/>
+            <a:endParaRPr sz="1400"/>
           </a:p>
           <a:p>
             <a:pPr indent="0" lvl="0" marL="0" rtl="0" algn="l">
@@ -12060,17 +12225,125 @@
               <a:spcAft>
                 <a:spcPts val="0"/>
               </a:spcAft>
+              <a:buClr>
+                <a:schemeClr val="dk1"/>
+              </a:buClr>
+              <a:buSzPts val="1100"/>
+              <a:buFont typeface="Arial"/>
+              <a:buNone/>
+            </a:pPr>
+            <a:r>
+              <a:rPr lang="en-US" sz="1400"/>
+              <a:t>TTI accounts for 10% of overall score in Lighthouse(ver 9).</a:t>
+            </a:r>
+            <a:endParaRPr sz="1400"/>
+          </a:p>
+          <a:p>
+            <a:pPr indent="0" lvl="0" marL="0" rtl="0" algn="l">
+              <a:spcBef>
+                <a:spcPts val="600"/>
+              </a:spcBef>
+              <a:spcAft>
+                <a:spcPts val="0"/>
+              </a:spcAft>
+              <a:buClr>
+                <a:schemeClr val="dk1"/>
+              </a:buClr>
+              <a:buSzPts val="1100"/>
+              <a:buFont typeface="Arial"/>
+              <a:buNone/>
+            </a:pPr>
+            <a:r>
+              <a:t/>
+            </a:r>
+            <a:endParaRPr sz="1400"/>
+          </a:p>
+          <a:p>
+            <a:pPr indent="0" lvl="0" marL="0" rtl="0" algn="l">
+              <a:spcBef>
+                <a:spcPts val="600"/>
+              </a:spcBef>
+              <a:spcAft>
+                <a:spcPts val="0"/>
+              </a:spcAft>
+              <a:buClr>
+                <a:schemeClr val="dk1"/>
+              </a:buClr>
+              <a:buSzPts val="1100"/>
+              <a:buFont typeface="Arial"/>
               <a:buNone/>
             </a:pPr>
             <a:r>
               <a:rPr b="1" lang="en-US" sz="1500"/>
-              <a:t>Note:</a:t>
+              <a:t>Warning:</a:t>
             </a:r>
             <a:r>
               <a:rPr lang="en-US" sz="1500"/>
-              <a:t> if a tasks starts after a delay of 5s, it will not contribute to TTI (or TBT as we will see in the next topic)</a:t>
-            </a:r>
-            <a:endParaRPr sz="1500"/>
+              <a:t> In the </a:t>
+            </a:r>
+            <a:r>
+              <a:rPr lang="en-US" sz="1500" u="sng">
+                <a:solidFill>
+                  <a:schemeClr val="hlink"/>
+                </a:solidFill>
+                <a:hlinkClick r:id="rId3"/>
+              </a:rPr>
+              <a:t>web.dev document</a:t>
+            </a:r>
+            <a:r>
+              <a:rPr lang="en-US" sz="1500"/>
+              <a:t> it has been mentioned that </a:t>
+            </a:r>
+            <a:r>
+              <a:rPr lang="en-US" sz="1400"/>
+              <a:t>any value below 3.8s is good and anything over 7.3s is bad, this seems to be for version 5. Lighthouse version 9 scores TTI differently, ie., anything below 2468 ms is good and over 4500 ms is bad.</a:t>
+            </a:r>
+            <a:endParaRPr sz="1400"/>
+          </a:p>
+          <a:p>
+            <a:pPr indent="0" lvl="0" marL="0" rtl="0" algn="l">
+              <a:spcBef>
+                <a:spcPts val="600"/>
+              </a:spcBef>
+              <a:spcAft>
+                <a:spcPts val="0"/>
+              </a:spcAft>
+              <a:buClr>
+                <a:schemeClr val="dk1"/>
+              </a:buClr>
+              <a:buSzPts val="1100"/>
+              <a:buFont typeface="Arial"/>
+              <a:buNone/>
+            </a:pPr>
+            <a:r>
+              <a:rPr lang="en-US" sz="1400"/>
+              <a:t>Check:  </a:t>
+            </a:r>
+            <a:r>
+              <a:rPr lang="en-US" sz="1400" u="sng">
+                <a:solidFill>
+                  <a:schemeClr val="hlink"/>
+                </a:solidFill>
+                <a:hlinkClick r:id="rId4"/>
+              </a:rPr>
+              <a:t>Lighthouse scoring calculator</a:t>
+            </a:r>
+            <a:endParaRPr sz="1400"/>
+          </a:p>
+          <a:p>
+            <a:pPr indent="0" lvl="0" marL="0" rtl="0" algn="l">
+              <a:spcBef>
+                <a:spcPts val="600"/>
+              </a:spcBef>
+              <a:spcAft>
+                <a:spcPts val="0"/>
+              </a:spcAft>
+              <a:buNone/>
+            </a:pPr>
+            <a:r>
+              <a:t/>
+            </a:r>
+            <a:endParaRPr sz="1400"/>
           </a:p>
         </p:txBody>
       </p:sp>
@@ -12133,7 +12406,7 @@
             </a:pPr>
             <a:r>
               <a:rPr lang="en-US"/>
-              <a:t>Total Blocking Time (TBT)</a:t>
+              <a:t>Understanding TTI</a:t>
             </a:r>
             <a:endParaRPr/>
           </a:p>
@@ -12172,197 +12445,80 @@
               <a:buNone/>
             </a:pPr>
             <a:r>
-              <a:rPr lang="en-US" sz="1500"/>
-              <a:t>TBT is not a core web vital - however, it is a lab replacement for FID</a:t>
-            </a:r>
-            <a:endParaRPr sz="1500"/>
-          </a:p>
-          <a:p>
-            <a:pPr indent="0" lvl="0" marL="0" rtl="0" algn="l">
-              <a:spcBef>
-                <a:spcPts val="600"/>
-              </a:spcBef>
-              <a:spcAft>
-                <a:spcPts val="0"/>
-              </a:spcAft>
-              <a:buNone/>
-            </a:pPr>
-            <a:r>
-              <a:t/>
-            </a:r>
-            <a:endParaRPr sz="1500"/>
-          </a:p>
-          <a:p>
-            <a:pPr indent="0" lvl="0" marL="0" rtl="0" algn="l">
-              <a:spcBef>
-                <a:spcPts val="600"/>
-              </a:spcBef>
-              <a:spcAft>
-                <a:spcPts val="0"/>
-              </a:spcAft>
-              <a:buNone/>
-            </a:pPr>
-            <a:r>
-              <a:rPr lang="en-US" sz="1500"/>
-              <a:t>TBT measures the total amount of time that a page is blocked from responding to user input, such as mouse clicks, screen taps, or keyboard presses from FCP to TTI.</a:t>
-            </a:r>
-            <a:endParaRPr sz="1500"/>
-          </a:p>
-          <a:p>
-            <a:pPr indent="-323850" lvl="0" marL="457200" rtl="0" algn="l">
-              <a:spcBef>
-                <a:spcPts val="600"/>
-              </a:spcBef>
-              <a:spcAft>
-                <a:spcPts val="0"/>
-              </a:spcAft>
-              <a:buSzPts val="1500"/>
-              <a:buChar char="●"/>
-            </a:pPr>
-            <a:r>
-              <a:rPr lang="en-US" sz="1500"/>
-              <a:t>TBT sums up the blocking time for all long tasks that occur between FCP and TTI.</a:t>
-            </a:r>
-            <a:endParaRPr sz="1500"/>
-          </a:p>
-          <a:p>
-            <a:pPr indent="-323850" lvl="0" marL="457200" rtl="0" algn="l">
-              <a:spcBef>
-                <a:spcPts val="0"/>
-              </a:spcBef>
-              <a:spcAft>
-                <a:spcPts val="0"/>
-              </a:spcAft>
-              <a:buSzPts val="1500"/>
-              <a:buChar char="●"/>
-            </a:pPr>
-            <a:r>
-              <a:rPr lang="en-US" sz="1500"/>
-              <a:t>Any task that executes for more than 50 ms is a long task. </a:t>
-            </a:r>
-            <a:endParaRPr sz="1500"/>
-          </a:p>
-          <a:p>
-            <a:pPr indent="-323850" lvl="0" marL="457200" rtl="0" algn="l">
-              <a:spcBef>
-                <a:spcPts val="0"/>
-              </a:spcBef>
-              <a:spcAft>
-                <a:spcPts val="0"/>
-              </a:spcAft>
-              <a:buSzPts val="1500"/>
-              <a:buChar char="●"/>
-            </a:pPr>
-            <a:r>
-              <a:rPr lang="en-US" sz="1500"/>
-              <a:t>The amount of time after 50 ms is the blocking time.</a:t>
-            </a:r>
-            <a:endParaRPr sz="1500"/>
-          </a:p>
-          <a:p>
-            <a:pPr indent="0" lvl="0" marL="0" rtl="0" algn="l">
-              <a:spcBef>
-                <a:spcPts val="600"/>
-              </a:spcBef>
-              <a:spcAft>
-                <a:spcPts val="0"/>
-              </a:spcAft>
-              <a:buNone/>
-            </a:pPr>
-            <a:r>
-              <a:t/>
-            </a:r>
-            <a:endParaRPr sz="1500"/>
-          </a:p>
-          <a:p>
-            <a:pPr indent="0" lvl="0" marL="0" rtl="0" algn="l">
-              <a:spcBef>
-                <a:spcPts val="600"/>
-              </a:spcBef>
-              <a:spcAft>
-                <a:spcPts val="0"/>
-              </a:spcAft>
-              <a:buClr>
-                <a:schemeClr val="dk1"/>
-              </a:buClr>
-              <a:buSzPts val="1100"/>
-              <a:buFont typeface="Arial"/>
-              <a:buNone/>
-            </a:pPr>
-            <a:r>
-              <a:rPr lang="en-US" sz="1400"/>
-              <a:t>TBT accounts for 30% of overall score in Lighthouse(ver 9).</a:t>
-            </a:r>
-            <a:endParaRPr sz="1400"/>
-          </a:p>
-          <a:p>
-            <a:pPr indent="0" lvl="0" marL="0" rtl="0" algn="l">
-              <a:spcBef>
-                <a:spcPts val="600"/>
-              </a:spcBef>
-              <a:spcAft>
-                <a:spcPts val="0"/>
-              </a:spcAft>
-              <a:buClr>
-                <a:schemeClr val="dk1"/>
-              </a:buClr>
-              <a:buSzPts val="1100"/>
-              <a:buFont typeface="Arial"/>
-              <a:buNone/>
-            </a:pPr>
-            <a:r>
-              <a:t/>
-            </a:r>
-            <a:endParaRPr sz="1400"/>
-          </a:p>
-          <a:p>
-            <a:pPr indent="0" lvl="0" marL="0" rtl="0" algn="l">
-              <a:spcBef>
-                <a:spcPts val="600"/>
-              </a:spcBef>
-              <a:spcAft>
-                <a:spcPts val="0"/>
-              </a:spcAft>
-              <a:buNone/>
-            </a:pPr>
-            <a:r>
-              <a:rPr lang="en-US" sz="1500"/>
-              <a:t>As per Lighthouse version 9 a TBT value below 150 ms is good and over 350 ms is bad.</a:t>
-            </a:r>
-            <a:endParaRPr sz="1500"/>
-          </a:p>
-          <a:p>
-            <a:pPr indent="0" lvl="0" marL="0" rtl="0" algn="l">
-              <a:spcBef>
-                <a:spcPts val="600"/>
-              </a:spcBef>
-              <a:spcAft>
-                <a:spcPts val="0"/>
-              </a:spcAft>
-              <a:buNone/>
-            </a:pPr>
-            <a:r>
-              <a:t/>
-            </a:r>
-            <a:endParaRPr sz="1500"/>
-          </a:p>
-          <a:p>
-            <a:pPr indent="0" lvl="0" marL="0" rtl="0" algn="l">
-              <a:spcBef>
-                <a:spcPts val="600"/>
-              </a:spcBef>
-              <a:spcAft>
-                <a:spcPts val="0"/>
-              </a:spcAft>
-              <a:buNone/>
-            </a:pPr>
-            <a:r>
               <a:t/>
             </a:r>
             <a:endParaRPr sz="1500"/>
           </a:p>
         </p:txBody>
       </p:sp>
+      <p:pic>
+        <p:nvPicPr>
+          <p:cNvPr id="167" name="Google Shape;167;p37"/>
+          <p:cNvPicPr preferRelativeResize="0"/>
+          <p:nvPr/>
+        </p:nvPicPr>
+        <p:blipFill>
+          <a:blip r:embed="rId3">
+            <a:alphaModFix/>
+          </a:blip>
+          <a:stretch>
+            <a:fillRect/>
+          </a:stretch>
+        </p:blipFill>
+        <p:spPr>
+          <a:xfrm>
+            <a:off x="524775" y="1247700"/>
+            <a:ext cx="8094451" cy="1857900"/>
+          </a:xfrm>
+          <a:prstGeom prst="rect">
+            <a:avLst/>
+          </a:prstGeom>
+          <a:noFill/>
+          <a:ln cap="flat" cmpd="sng" w="9525">
+            <a:solidFill>
+              <a:schemeClr val="dk1"/>
+            </a:solidFill>
+            <a:prstDash val="solid"/>
+            <a:round/>
+            <a:headEnd len="sm" w="sm" type="none"/>
+            <a:tailEnd len="sm" w="sm" type="none"/>
+          </a:ln>
+        </p:spPr>
+      </p:pic>
+      <p:pic>
+        <p:nvPicPr>
+          <p:cNvPr id="168" name="Google Shape;168;p37"/>
+          <p:cNvPicPr preferRelativeResize="0"/>
+          <p:nvPr/>
+        </p:nvPicPr>
+        <p:blipFill>
+          <a:blip r:embed="rId4">
+            <a:alphaModFix/>
+          </a:blip>
+          <a:stretch>
+            <a:fillRect/>
+          </a:stretch>
+        </p:blipFill>
+        <p:spPr>
+          <a:xfrm>
+            <a:off x="524775" y="3191675"/>
+            <a:ext cx="8094451" cy="1857887"/>
+          </a:xfrm>
+          <a:prstGeom prst="rect">
+            <a:avLst/>
+          </a:prstGeom>
+          <a:noFill/>
+          <a:ln cap="flat" cmpd="sng" w="9525">
+            <a:solidFill>
+              <a:schemeClr val="dk1"/>
+            </a:solidFill>
+            <a:prstDash val="solid"/>
+            <a:round/>
+            <a:headEnd len="sm" w="sm" type="none"/>
+            <a:tailEnd len="sm" w="sm" type="none"/>
+          </a:ln>
+        </p:spPr>
+      </p:pic>
     </p:spTree>
   </p:cSld>
   <p:clrMapOvr>
@@ -12376,7 +12532,7 @@
   <p:cSld>
     <p:spTree>
       <p:nvGrpSpPr>
-        <p:cNvPr id="170" name="Shape 170"/>
+        <p:cNvPr id="172" name="Shape 172"/>
         <p:cNvGrpSpPr/>
         <p:nvPr/>
       </p:nvGrpSpPr>
@@ -12390,7 +12546,7 @@
       </p:grpSpPr>
       <p:sp>
         <p:nvSpPr>
-          <p:cNvPr id="171" name="Google Shape;171;p38"/>
+          <p:cNvPr id="173" name="Google Shape;173;p38"/>
           <p:cNvSpPr txBox="1"/>
           <p:nvPr>
             <p:ph type="title"/>
@@ -12422,7 +12578,7 @@
             </a:pPr>
             <a:r>
               <a:rPr lang="en-US"/>
-              <a:t>Understanding TBT</a:t>
+              <a:t>Understanding TTI</a:t>
             </a:r>
             <a:endParaRPr/>
           </a:p>
@@ -12430,7 +12586,7 @@
       </p:sp>
       <p:sp>
         <p:nvSpPr>
-          <p:cNvPr id="172" name="Google Shape;172;p38"/>
+          <p:cNvPr id="174" name="Google Shape;174;p38"/>
           <p:cNvSpPr txBox="1"/>
           <p:nvPr>
             <p:ph idx="1" type="body"/>
@@ -12461,80 +12617,79 @@
               <a:buNone/>
             </a:pPr>
             <a:r>
+              <a:rPr lang="en-US" sz="1500"/>
+              <a:t>In both the case seen in the previous slides the TTI should be almost the same, although the tasks in case 2 were not continuous, as in case 1, and the page would have been interactive.</a:t>
+            </a:r>
+            <a:endParaRPr sz="1500"/>
+          </a:p>
+          <a:p>
+            <a:pPr indent="0" lvl="0" marL="0" rtl="0" algn="l">
+              <a:spcBef>
+                <a:spcPts val="600"/>
+              </a:spcBef>
+              <a:spcAft>
+                <a:spcPts val="0"/>
+              </a:spcAft>
+              <a:buNone/>
+            </a:pPr>
+            <a:r>
               <a:t/>
             </a:r>
-            <a:endParaRPr/>
+            <a:endParaRPr sz="1500"/>
+          </a:p>
+          <a:p>
+            <a:pPr indent="0" lvl="0" marL="0" rtl="0" algn="l">
+              <a:spcBef>
+                <a:spcPts val="600"/>
+              </a:spcBef>
+              <a:spcAft>
+                <a:spcPts val="0"/>
+              </a:spcAft>
+              <a:buNone/>
+            </a:pPr>
+            <a:r>
+              <a:rPr lang="en-US" sz="1500"/>
+              <a:t>You can also notice that there were smaller tasks that run after TTI within the 5second delay but are not considered.</a:t>
+            </a:r>
+            <a:endParaRPr sz="1500"/>
+          </a:p>
+          <a:p>
+            <a:pPr indent="0" lvl="0" marL="0" rtl="0" algn="l">
+              <a:spcBef>
+                <a:spcPts val="600"/>
+              </a:spcBef>
+              <a:spcAft>
+                <a:spcPts val="0"/>
+              </a:spcAft>
+              <a:buNone/>
+            </a:pPr>
+            <a:r>
+              <a:t/>
+            </a:r>
+            <a:endParaRPr sz="1500"/>
+          </a:p>
+          <a:p>
+            <a:pPr indent="0" lvl="0" marL="0" rtl="0" algn="l">
+              <a:spcBef>
+                <a:spcPts val="600"/>
+              </a:spcBef>
+              <a:spcAft>
+                <a:spcPts val="0"/>
+              </a:spcAft>
+              <a:buNone/>
+            </a:pPr>
+            <a:r>
+              <a:rPr b="1" lang="en-US" sz="1500"/>
+              <a:t>Note:</a:t>
+            </a:r>
+            <a:r>
+              <a:rPr lang="en-US" sz="1500"/>
+              <a:t> if a tasks starts after a delay of 5s, it will not contribute to TTI (or TBT as we will see in the next topic)</a:t>
+            </a:r>
+            <a:endParaRPr sz="1500"/>
           </a:p>
         </p:txBody>
       </p:sp>
-      <p:pic>
-        <p:nvPicPr>
-          <p:cNvPr id="173" name="Google Shape;173;p38"/>
-          <p:cNvPicPr preferRelativeResize="0"/>
-          <p:nvPr/>
-        </p:nvPicPr>
-        <p:blipFill>
-          <a:blip r:embed="rId3">
-            <a:alphaModFix/>
-          </a:blip>
-          <a:stretch>
-            <a:fillRect/>
-          </a:stretch>
-        </p:blipFill>
-        <p:spPr>
-          <a:xfrm>
-            <a:off x="565425" y="1161025"/>
-            <a:ext cx="7761826" cy="1657400"/>
-          </a:xfrm>
-          <a:prstGeom prst="rect">
-            <a:avLst/>
-          </a:prstGeom>
-          <a:noFill/>
-          <a:ln cap="flat" cmpd="sng" w="9525">
-            <a:solidFill>
-              <a:schemeClr val="dk1"/>
-            </a:solidFill>
-            <a:prstDash val="solid"/>
-            <a:round/>
-            <a:headEnd len="sm" w="sm" type="none"/>
-            <a:tailEnd len="sm" w="sm" type="none"/>
-          </a:ln>
-        </p:spPr>
-      </p:pic>
-      <p:pic>
-        <p:nvPicPr>
-          <p:cNvPr id="174" name="Google Shape;174;p38"/>
-          <p:cNvPicPr preferRelativeResize="0"/>
-          <p:nvPr/>
-        </p:nvPicPr>
-        <p:blipFill>
-          <a:blip r:embed="rId4">
-            <a:alphaModFix/>
-          </a:blip>
-          <a:stretch>
-            <a:fillRect/>
-          </a:stretch>
-        </p:blipFill>
-        <p:spPr>
-          <a:xfrm>
-            <a:off x="617975" y="2974851"/>
-            <a:ext cx="7761826" cy="1847300"/>
-          </a:xfrm>
-          <a:prstGeom prst="rect">
-            <a:avLst/>
-          </a:prstGeom>
-          <a:noFill/>
-          <a:ln cap="flat" cmpd="sng" w="9525">
-            <a:solidFill>
-              <a:schemeClr val="dk1"/>
-            </a:solidFill>
-            <a:prstDash val="solid"/>
-            <a:round/>
-            <a:headEnd len="sm" w="sm" type="none"/>
-            <a:tailEnd len="sm" w="sm" type="none"/>
-          </a:ln>
-        </p:spPr>
-      </p:pic>
     </p:spTree>
   </p:cSld>
   <p:clrMapOvr>
@@ -12594,7 +12749,7 @@
             </a:pPr>
             <a:r>
               <a:rPr lang="en-US"/>
-              <a:t>Understanding TBT</a:t>
+              <a:t>Total Blocking Time (TBT)</a:t>
             </a:r>
             <a:endParaRPr/>
           </a:p>
@@ -12634,7 +12789,7 @@
             </a:pPr>
             <a:r>
               <a:rPr lang="en-US" sz="1500"/>
-              <a:t>In both the cases seen in previous slide the difference between FCP and TTI is almost the same. However, the way the tasks are executed are different, in case 1 the task is continuous however in case 2, multiple smaller tasks are executed and hence the TBT will be low. </a:t>
+              <a:t>TBT is not a core web vital - however, it is a lab replacement for FID</a:t>
             </a:r>
             <a:endParaRPr sz="1500"/>
           </a:p>
@@ -12664,6 +12819,73 @@
               <a:buNone/>
             </a:pPr>
             <a:r>
+              <a:rPr lang="en-US" sz="1500"/>
+              <a:t>TBT measures the total amount of time that a page is blocked from responding to user input, such as mouse clicks, screen taps, or keyboard presses from FCP to TTI.</a:t>
+            </a:r>
+            <a:endParaRPr sz="1500"/>
+          </a:p>
+          <a:p>
+            <a:pPr indent="-323850" lvl="0" marL="457200" rtl="0" algn="l">
+              <a:spcBef>
+                <a:spcPts val="600"/>
+              </a:spcBef>
+              <a:spcAft>
+                <a:spcPts val="0"/>
+              </a:spcAft>
+              <a:buSzPts val="1500"/>
+              <a:buChar char="●"/>
+            </a:pPr>
+            <a:r>
+              <a:rPr lang="en-US" sz="1500"/>
+              <a:t>TBT sums up the blocking time for all long tasks that occur between FCP and TTI.</a:t>
+            </a:r>
+            <a:endParaRPr sz="1500"/>
+          </a:p>
+          <a:p>
+            <a:pPr indent="-323850" lvl="0" marL="457200" rtl="0" algn="l">
+              <a:spcBef>
+                <a:spcPts val="0"/>
+              </a:spcBef>
+              <a:spcAft>
+                <a:spcPts val="0"/>
+              </a:spcAft>
+              <a:buSzPts val="1500"/>
+              <a:buChar char="●"/>
+            </a:pPr>
+            <a:r>
+              <a:rPr lang="en-US" sz="1500"/>
+              <a:t>Any task that executes for more than 50 ms is a long task. </a:t>
+            </a:r>
+            <a:endParaRPr sz="1500"/>
+          </a:p>
+          <a:p>
+            <a:pPr indent="-323850" lvl="0" marL="457200" rtl="0" algn="l">
+              <a:spcBef>
+                <a:spcPts val="0"/>
+              </a:spcBef>
+              <a:spcAft>
+                <a:spcPts val="0"/>
+              </a:spcAft>
+              <a:buSzPts val="1500"/>
+              <a:buChar char="●"/>
+            </a:pPr>
+            <a:r>
+              <a:rPr lang="en-US" sz="1500"/>
+              <a:t>The amount of time after 50 ms is the blocking time.</a:t>
+            </a:r>
+            <a:endParaRPr sz="1500"/>
+          </a:p>
+          <a:p>
+            <a:pPr indent="0" lvl="0" marL="0" rtl="0" algn="l">
+              <a:spcBef>
+                <a:spcPts val="600"/>
+              </a:spcBef>
+              <a:spcAft>
+                <a:spcPts val="0"/>
+              </a:spcAft>
+              <a:buNone/>
+            </a:pPr>
+            <a:r>
               <a:t/>
             </a:r>
             <a:endParaRPr sz="1500"/>
@@ -12676,15 +12898,82 @@
               <a:spcAft>
                 <a:spcPts val="0"/>
               </a:spcAft>
-              <a:buNone/>
-            </a:pPr>
-            <a:r>
-              <a:rPr b="1" lang="en-US" sz="1500"/>
-              <a:t>Note:</a:t>
-            </a:r>
+              <a:buClr>
+                <a:schemeClr val="dk1"/>
+              </a:buClr>
+              <a:buSzPts val="1100"/>
+              <a:buFont typeface="Arial"/>
+              <a:buNone/>
+            </a:pPr>
+            <a:r>
+              <a:rPr lang="en-US" sz="1400"/>
+              <a:t>TBT accounts for 30% of overall score in Lighthouse(ver 9).</a:t>
+            </a:r>
+            <a:endParaRPr sz="1400"/>
+          </a:p>
+          <a:p>
+            <a:pPr indent="0" lvl="0" marL="0" rtl="0" algn="l">
+              <a:spcBef>
+                <a:spcPts val="600"/>
+              </a:spcBef>
+              <a:spcAft>
+                <a:spcPts val="0"/>
+              </a:spcAft>
+              <a:buClr>
+                <a:schemeClr val="dk1"/>
+              </a:buClr>
+              <a:buSzPts val="1100"/>
+              <a:buFont typeface="Arial"/>
+              <a:buNone/>
+            </a:pPr>
+            <a:r>
+              <a:t/>
+            </a:r>
+            <a:endParaRPr sz="1400"/>
+          </a:p>
+          <a:p>
+            <a:pPr indent="0" lvl="0" marL="0" rtl="0" algn="l">
+              <a:spcBef>
+                <a:spcPts val="600"/>
+              </a:spcBef>
+              <a:spcAft>
+                <a:spcPts val="0"/>
+              </a:spcAft>
+              <a:buNone/>
+            </a:pPr>
             <a:r>
               <a:rPr lang="en-US" sz="1500"/>
-              <a:t> if a tasks starts after a delay of 5s, it will not contribute to TBT. Since TBT considers tasks between FCP and TTI, and tasks with a delay of 5s won’t be taken into account for TTI it won’t be considered for TBT as well.</a:t>
+              <a:t>As per Lighthouse version 9 a TBT value below 150 ms is good and over 350 ms is bad.</a:t>
+            </a:r>
+            <a:endParaRPr sz="1500"/>
+          </a:p>
+          <a:p>
+            <a:pPr indent="0" lvl="0" marL="0" rtl="0" algn="l">
+              <a:spcBef>
+                <a:spcPts val="600"/>
+              </a:spcBef>
+              <a:spcAft>
+                <a:spcPts val="0"/>
+              </a:spcAft>
+              <a:buNone/>
+            </a:pPr>
+            <a:r>
+              <a:t/>
+            </a:r>
+            <a:endParaRPr sz="1500"/>
+          </a:p>
+          <a:p>
+            <a:pPr indent="0" lvl="0" marL="0" rtl="0" algn="l">
+              <a:spcBef>
+                <a:spcPts val="600"/>
+              </a:spcBef>
+              <a:spcAft>
+                <a:spcPts val="0"/>
+              </a:spcAft>
+              <a:buNone/>
+            </a:pPr>
+            <a:r>
+              <a:t/>
             </a:r>
             <a:endParaRPr sz="1500"/>
           </a:p>
@@ -12749,7 +13038,7 @@
             </a:pPr>
             <a:r>
               <a:rPr lang="en-US"/>
-              <a:t>Speed Index (SI)</a:t>
+              <a:t>Understanding TBT</a:t>
             </a:r>
             <a:endParaRPr/>
           </a:p>
@@ -12788,145 +13077,80 @@
               <a:buNone/>
             </a:pPr>
             <a:r>
-              <a:rPr lang="en-US" sz="1500"/>
-              <a:t>SI</a:t>
-            </a:r>
-            <a:r>
-              <a:rPr lang="en-US" sz="1500"/>
-              <a:t> is not a core web vital - however it is tracked by Lighthouse</a:t>
-            </a:r>
-            <a:endParaRPr sz="1500"/>
-          </a:p>
-          <a:p>
-            <a:pPr indent="0" lvl="0" marL="0" rtl="0" algn="l">
-              <a:spcBef>
-                <a:spcPts val="600"/>
-              </a:spcBef>
-              <a:spcAft>
-                <a:spcPts val="0"/>
-              </a:spcAft>
-              <a:buNone/>
-            </a:pPr>
-            <a:r>
               <a:t/>
             </a:r>
-            <a:endParaRPr sz="1500"/>
-          </a:p>
-          <a:p>
-            <a:pPr indent="0" lvl="0" marL="0" rtl="0" algn="l">
-              <a:spcBef>
-                <a:spcPts val="600"/>
-              </a:spcBef>
-              <a:spcAft>
-                <a:spcPts val="0"/>
-              </a:spcAft>
-              <a:buNone/>
-            </a:pPr>
-            <a:r>
-              <a:rPr lang="en-US" sz="1500"/>
-              <a:t>On a high level, Lighthouse first captures a video of the page loading in the browser and computes the visual progression between frames. Lighthouse then uses the Speedline Node.js module to generate the Speed Index score.</a:t>
-            </a:r>
-            <a:endParaRPr sz="1500"/>
-          </a:p>
-          <a:p>
-            <a:pPr indent="0" lvl="0" marL="0" rtl="0" algn="l">
-              <a:spcBef>
-                <a:spcPts val="600"/>
-              </a:spcBef>
-              <a:spcAft>
-                <a:spcPts val="0"/>
-              </a:spcAft>
-              <a:buNone/>
-            </a:pPr>
-            <a:r>
-              <a:t/>
-            </a:r>
-            <a:endParaRPr sz="1500"/>
-          </a:p>
-          <a:p>
-            <a:pPr indent="0" lvl="0" marL="0" rtl="0" algn="l">
-              <a:spcBef>
-                <a:spcPts val="600"/>
-              </a:spcBef>
-              <a:spcAft>
-                <a:spcPts val="0"/>
-              </a:spcAft>
-              <a:buNone/>
-            </a:pPr>
-            <a:r>
-              <a:rPr lang="en-US" sz="1400"/>
-              <a:t>SI accounts for 10% of overall score in Lighthouse(ver 9).</a:t>
-            </a:r>
-            <a:endParaRPr sz="1400"/>
-          </a:p>
-          <a:p>
-            <a:pPr indent="0" lvl="0" marL="0" rtl="0" algn="l">
-              <a:spcBef>
-                <a:spcPts val="600"/>
-              </a:spcBef>
-              <a:spcAft>
-                <a:spcPts val="0"/>
-              </a:spcAft>
-              <a:buNone/>
-            </a:pPr>
-            <a:r>
-              <a:t/>
-            </a:r>
-            <a:endParaRPr sz="1400"/>
-          </a:p>
-          <a:p>
-            <a:pPr indent="0" lvl="0" marL="0" rtl="0" algn="l">
-              <a:spcBef>
-                <a:spcPts val="600"/>
-              </a:spcBef>
-              <a:spcAft>
-                <a:spcPts val="0"/>
-              </a:spcAft>
-              <a:buNone/>
-            </a:pPr>
-            <a:r>
-              <a:rPr lang="en-US" sz="1400"/>
-              <a:t>As per Lighthouse version 9 a SI value below 1.3s is good and over 2.3ms is bad.</a:t>
-            </a:r>
-            <a:endParaRPr sz="1400"/>
-          </a:p>
-          <a:p>
-            <a:pPr indent="0" lvl="0" marL="0" rtl="0" algn="l">
-              <a:spcBef>
-                <a:spcPts val="600"/>
-              </a:spcBef>
-              <a:spcAft>
-                <a:spcPts val="0"/>
-              </a:spcAft>
-              <a:buNone/>
-            </a:pPr>
-            <a:r>
-              <a:t/>
-            </a:r>
-            <a:endParaRPr sz="1500"/>
-          </a:p>
-          <a:p>
-            <a:pPr indent="0" lvl="0" marL="0" rtl="0" algn="l">
-              <a:spcBef>
-                <a:spcPts val="600"/>
-              </a:spcBef>
-              <a:spcAft>
-                <a:spcPts val="0"/>
-              </a:spcAft>
-              <a:buClr>
-                <a:schemeClr val="dk1"/>
-              </a:buClr>
-              <a:buSzPts val="1100"/>
-              <a:buFont typeface="Arial"/>
-              <a:buNone/>
-            </a:pPr>
-            <a:r>
-              <a:t/>
-            </a:r>
-            <a:endParaRPr sz="1500"/>
+            <a:endParaRPr/>
           </a:p>
         </p:txBody>
       </p:sp>
+      <p:pic>
+        <p:nvPicPr>
+          <p:cNvPr id="187" name="Google Shape;187;p40"/>
+          <p:cNvPicPr preferRelativeResize="0"/>
+          <p:nvPr/>
+        </p:nvPicPr>
+        <p:blipFill>
+          <a:blip r:embed="rId3">
+            <a:alphaModFix/>
+          </a:blip>
+          <a:stretch>
+            <a:fillRect/>
+          </a:stretch>
+        </p:blipFill>
+        <p:spPr>
+          <a:xfrm>
+            <a:off x="565425" y="1161025"/>
+            <a:ext cx="7761826" cy="1657400"/>
+          </a:xfrm>
+          <a:prstGeom prst="rect">
+            <a:avLst/>
+          </a:prstGeom>
+          <a:noFill/>
+          <a:ln cap="flat" cmpd="sng" w="9525">
+            <a:solidFill>
+              <a:schemeClr val="dk1"/>
+            </a:solidFill>
+            <a:prstDash val="solid"/>
+            <a:round/>
+            <a:headEnd len="sm" w="sm" type="none"/>
+            <a:tailEnd len="sm" w="sm" type="none"/>
+          </a:ln>
+        </p:spPr>
+      </p:pic>
+      <p:pic>
+        <p:nvPicPr>
+          <p:cNvPr id="188" name="Google Shape;188;p40"/>
+          <p:cNvPicPr preferRelativeResize="0"/>
+          <p:nvPr/>
+        </p:nvPicPr>
+        <p:blipFill>
+          <a:blip r:embed="rId4">
+            <a:alphaModFix/>
+          </a:blip>
+          <a:stretch>
+            <a:fillRect/>
+          </a:stretch>
+        </p:blipFill>
+        <p:spPr>
+          <a:xfrm>
+            <a:off x="617975" y="2974851"/>
+            <a:ext cx="7761826" cy="1847300"/>
+          </a:xfrm>
+          <a:prstGeom prst="rect">
+            <a:avLst/>
+          </a:prstGeom>
+          <a:noFill/>
+          <a:ln cap="flat" cmpd="sng" w="9525">
+            <a:solidFill>
+              <a:schemeClr val="dk1"/>
+            </a:solidFill>
+            <a:prstDash val="solid"/>
+            <a:round/>
+            <a:headEnd len="sm" w="sm" type="none"/>
+            <a:tailEnd len="sm" w="sm" type="none"/>
+          </a:ln>
+        </p:spPr>
+      </p:pic>
     </p:spTree>
   </p:cSld>
   <p:clrMapOvr>
@@ -12940,7 +13164,7 @@
   <p:cSld>
     <p:spTree>
       <p:nvGrpSpPr>
-        <p:cNvPr id="190" name="Shape 190"/>
+        <p:cNvPr id="192" name="Shape 192"/>
         <p:cNvGrpSpPr/>
         <p:nvPr/>
       </p:nvGrpSpPr>
@@ -12954,7 +13178,7 @@
       </p:grpSpPr>
       <p:sp>
         <p:nvSpPr>
-          <p:cNvPr id="191" name="Google Shape;191;p41"/>
+          <p:cNvPr id="193" name="Google Shape;193;p41"/>
           <p:cNvSpPr txBox="1"/>
           <p:nvPr>
             <p:ph type="title"/>
@@ -12986,161 +13210,99 @@
             </a:pPr>
             <a:r>
               <a:rPr lang="en-US"/>
-              <a:t>Speed Index</a:t>
+              <a:t>Understanding TBT</a:t>
             </a:r>
             <a:endParaRPr/>
           </a:p>
         </p:txBody>
       </p:sp>
-      <p:pic>
-        <p:nvPicPr>
-          <p:cNvPr id="192" name="Google Shape;192;p41"/>
-          <p:cNvPicPr preferRelativeResize="0"/>
-          <p:nvPr/>
-        </p:nvPicPr>
-        <p:blipFill>
-          <a:blip r:embed="rId3">
-            <a:alphaModFix/>
-          </a:blip>
-          <a:stretch>
-            <a:fillRect/>
-          </a:stretch>
-        </p:blipFill>
+      <p:sp>
+        <p:nvSpPr>
+          <p:cNvPr id="194" name="Google Shape;194;p41"/>
+          <p:cNvSpPr txBox="1"/>
+          <p:nvPr>
+            <p:ph idx="1" type="body"/>
+          </p:nvPr>
+        </p:nvSpPr>
         <p:spPr>
           <a:xfrm>
-            <a:off x="1391300" y="1156850"/>
-            <a:ext cx="2708450" cy="2708450"/>
+            <a:off x="457200" y="1200150"/>
+            <a:ext cx="8229600" cy="3725700"/>
           </a:xfrm>
           <a:prstGeom prst="rect">
             <a:avLst/>
           </a:prstGeom>
-          <a:noFill/>
-          <a:ln cap="flat" cmpd="sng" w="9525">
-            <a:solidFill>
-              <a:schemeClr val="dk1"/>
-            </a:solidFill>
-            <a:prstDash val="solid"/>
-            <a:round/>
-            <a:headEnd len="sm" w="sm" type="none"/>
-            <a:tailEnd len="sm" w="sm" type="none"/>
-          </a:ln>
-        </p:spPr>
-      </p:pic>
-      <p:pic>
-        <p:nvPicPr>
-          <p:cNvPr id="193" name="Google Shape;193;p41"/>
-          <p:cNvPicPr preferRelativeResize="0"/>
-          <p:nvPr/>
-        </p:nvPicPr>
-        <p:blipFill>
-          <a:blip r:embed="rId4">
-            <a:alphaModFix/>
-          </a:blip>
-          <a:stretch>
-            <a:fillRect/>
-          </a:stretch>
-        </p:blipFill>
-        <p:spPr>
-          <a:xfrm>
-            <a:off x="4762725" y="1156850"/>
-            <a:ext cx="2761025" cy="2761025"/>
-          </a:xfrm>
-          <a:prstGeom prst="rect">
-            <a:avLst/>
-          </a:prstGeom>
-          <a:noFill/>
-          <a:ln cap="flat" cmpd="sng" w="9525">
-            <a:solidFill>
-              <a:schemeClr val="dk1"/>
-            </a:solidFill>
-            <a:prstDash val="solid"/>
-            <a:round/>
-            <a:headEnd len="sm" w="sm" type="none"/>
-            <a:tailEnd len="sm" w="sm" type="none"/>
-          </a:ln>
-        </p:spPr>
-      </p:pic>
-      <p:sp>
-        <p:nvSpPr>
-          <p:cNvPr id="194" name="Google Shape;194;p41"/>
-          <p:cNvSpPr txBox="1"/>
-          <p:nvPr/>
-        </p:nvSpPr>
-        <p:spPr>
-          <a:xfrm>
-            <a:off x="633600" y="3958775"/>
-            <a:ext cx="7876800" cy="400200"/>
-          </a:xfrm>
-          <a:prstGeom prst="rect">
-            <a:avLst/>
-          </a:prstGeom>
-          <a:noFill/>
-          <a:ln>
-            <a:noFill/>
-          </a:ln>
         </p:spPr>
         <p:txBody>
-          <a:bodyPr anchorCtr="0" anchor="t" bIns="91425" lIns="91425" spcFirstLastPara="1" rIns="91425" wrap="square" tIns="91425">
-            <a:spAutoFit/>
+          <a:bodyPr anchorCtr="0" anchor="t" bIns="91625" lIns="91625" spcFirstLastPara="1" rIns="91625" wrap="square" tIns="91625">
+            <a:noAutofit/>
           </a:bodyPr>
           <a:lstStyle/>
           <a:p>
             <a:pPr indent="0" lvl="0" marL="0" rtl="0" algn="l">
               <a:spcBef>
-                <a:spcPts val="0"/>
-              </a:spcBef>
-              <a:spcAft>
-                <a:spcPts val="0"/>
-              </a:spcAft>
-              <a:buNone/>
-            </a:pPr>
-            <a:r>
-              <a:rPr lang="en-US"/>
-              <a:t>It plots the %loaded with respect to time and calculates the area above the curve to find the SI.</a:t>
-            </a:r>
-            <a:endParaRPr/>
-          </a:p>
-        </p:txBody>
-      </p:sp>
-      <p:sp>
-        <p:nvSpPr>
-          <p:cNvPr id="195" name="Google Shape;195;p41"/>
-          <p:cNvSpPr txBox="1"/>
-          <p:nvPr/>
-        </p:nvSpPr>
-        <p:spPr>
-          <a:xfrm>
-            <a:off x="457200" y="4550300"/>
-            <a:ext cx="8056800" cy="400200"/>
-          </a:xfrm>
-          <a:prstGeom prst="rect">
-            <a:avLst/>
-          </a:prstGeom>
-          <a:noFill/>
-          <a:ln>
-            <a:noFill/>
-          </a:ln>
-        </p:spPr>
-        <p:txBody>
-          <a:bodyPr anchorCtr="0" anchor="t" bIns="91425" lIns="91425" spcFirstLastPara="1" rIns="91425" wrap="square" tIns="91425">
-            <a:spAutoFit/>
-          </a:bodyPr>
-          <a:lstStyle/>
+                <a:spcPts val="600"/>
+              </a:spcBef>
+              <a:spcAft>
+                <a:spcPts val="0"/>
+              </a:spcAft>
+              <a:buNone/>
+            </a:pPr>
+            <a:r>
+              <a:rPr lang="en-US" sz="1500"/>
+              <a:t>In both the cases seen in previous slide the difference between FCP and TTI is almost the same. However, the way the tasks are executed are different, in case 1 the task is continuous however in case 2, multiple smaller tasks are executed and hence the TBT will be low. </a:t>
+            </a:r>
+            <a:endParaRPr sz="1500"/>
+          </a:p>
           <a:p>
             <a:pPr indent="0" lvl="0" marL="0" rtl="0" algn="l">
               <a:spcBef>
-                <a:spcPts val="0"/>
-              </a:spcBef>
-              <a:spcAft>
-                <a:spcPts val="0"/>
-              </a:spcAft>
-              <a:buNone/>
-            </a:pPr>
-            <a:r>
-              <a:rPr lang="en-US"/>
-              <a:t>Refer: https://github.com/WPO-Foundation/webpagetest-docs/blob/main/src/metrics/SpeedIndex.md</a:t>
-            </a:r>
-            <a:endParaRPr/>
+                <a:spcPts val="600"/>
+              </a:spcBef>
+              <a:spcAft>
+                <a:spcPts val="0"/>
+              </a:spcAft>
+              <a:buNone/>
+            </a:pPr>
+            <a:r>
+              <a:t/>
+            </a:r>
+            <a:endParaRPr sz="1500"/>
+          </a:p>
+          <a:p>
+            <a:pPr indent="0" lvl="0" marL="0" rtl="0" algn="l">
+              <a:spcBef>
+                <a:spcPts val="600"/>
+              </a:spcBef>
+              <a:spcAft>
+                <a:spcPts val="0"/>
+              </a:spcAft>
+              <a:buNone/>
+            </a:pPr>
+            <a:r>
+              <a:t/>
+            </a:r>
+            <a:endParaRPr sz="1500"/>
+          </a:p>
+          <a:p>
+            <a:pPr indent="0" lvl="0" marL="0" rtl="0" algn="l">
+              <a:spcBef>
+                <a:spcPts val="600"/>
+              </a:spcBef>
+              <a:spcAft>
+                <a:spcPts val="0"/>
+              </a:spcAft>
+              <a:buNone/>
+            </a:pPr>
+            <a:r>
+              <a:rPr b="1" lang="en-US" sz="1500"/>
+              <a:t>Note:</a:t>
+            </a:r>
+            <a:r>
+              <a:rPr lang="en-US" sz="1500"/>
+              <a:t> if a tasks starts after a delay of 5s, it will not contribute to TBT. Since TBT considers tasks between FCP and TTI, and tasks with a delay of 5s won’t be taken into account for TTI it won’t be considered for TBT as well.</a:t>
+            </a:r>
+            <a:endParaRPr sz="1500"/>
           </a:p>
         </p:txBody>
       </p:sp>
@@ -13417,7 +13579,7 @@
   <p:cSld>
     <p:spTree>
       <p:nvGrpSpPr>
-        <p:cNvPr id="199" name="Shape 199"/>
+        <p:cNvPr id="198" name="Shape 198"/>
         <p:cNvGrpSpPr/>
         <p:nvPr/>
       </p:nvGrpSpPr>
@@ -13431,7 +13593,7 @@
       </p:grpSpPr>
       <p:sp>
         <p:nvSpPr>
-          <p:cNvPr id="200" name="Google Shape;200;p42"/>
+          <p:cNvPr id="199" name="Google Shape;199;p42"/>
           <p:cNvSpPr txBox="1"/>
           <p:nvPr>
             <p:ph type="title"/>
@@ -13463,7 +13625,7 @@
             </a:pPr>
             <a:r>
               <a:rPr lang="en-US"/>
-              <a:t>Other Webvitals</a:t>
+              <a:t>Speed Index (SI)</a:t>
             </a:r>
             <a:endParaRPr/>
           </a:p>
@@ -13471,7 +13633,461 @@
       </p:sp>
       <p:sp>
         <p:nvSpPr>
-          <p:cNvPr id="201" name="Google Shape;201;p42"/>
+          <p:cNvPr id="200" name="Google Shape;200;p42"/>
+          <p:cNvSpPr txBox="1"/>
+          <p:nvPr>
+            <p:ph idx="1" type="body"/>
+          </p:nvPr>
+        </p:nvSpPr>
+        <p:spPr>
+          <a:xfrm>
+            <a:off x="457200" y="1200150"/>
+            <a:ext cx="8229600" cy="3725700"/>
+          </a:xfrm>
+          <a:prstGeom prst="rect">
+            <a:avLst/>
+          </a:prstGeom>
+        </p:spPr>
+        <p:txBody>
+          <a:bodyPr anchorCtr="0" anchor="t" bIns="91625" lIns="91625" spcFirstLastPara="1" rIns="91625" wrap="square" tIns="91625">
+            <a:noAutofit/>
+          </a:bodyPr>
+          <a:lstStyle/>
+          <a:p>
+            <a:pPr indent="0" lvl="0" marL="0" rtl="0" algn="l">
+              <a:spcBef>
+                <a:spcPts val="600"/>
+              </a:spcBef>
+              <a:spcAft>
+                <a:spcPts val="0"/>
+              </a:spcAft>
+              <a:buNone/>
+            </a:pPr>
+            <a:r>
+              <a:rPr lang="en-US" sz="1500"/>
+              <a:t>SI</a:t>
+            </a:r>
+            <a:r>
+              <a:rPr lang="en-US" sz="1500"/>
+              <a:t> is not a core web vital - however it is tracked by Lighthouse</a:t>
+            </a:r>
+            <a:endParaRPr sz="1500"/>
+          </a:p>
+          <a:p>
+            <a:pPr indent="0" lvl="0" marL="0" rtl="0" algn="l">
+              <a:spcBef>
+                <a:spcPts val="600"/>
+              </a:spcBef>
+              <a:spcAft>
+                <a:spcPts val="0"/>
+              </a:spcAft>
+              <a:buNone/>
+            </a:pPr>
+            <a:r>
+              <a:t/>
+            </a:r>
+            <a:endParaRPr sz="1500"/>
+          </a:p>
+          <a:p>
+            <a:pPr indent="0" lvl="0" marL="0" rtl="0" algn="l">
+              <a:spcBef>
+                <a:spcPts val="600"/>
+              </a:spcBef>
+              <a:spcAft>
+                <a:spcPts val="0"/>
+              </a:spcAft>
+              <a:buNone/>
+            </a:pPr>
+            <a:r>
+              <a:rPr lang="en-US" sz="1500"/>
+              <a:t>On a high level, Lighthouse first captures a video of the page loading in the browser and computes the visual progression between frames. Lighthouse then uses the Speedline Node.js module to generate the Speed Index score.</a:t>
+            </a:r>
+            <a:endParaRPr sz="1500"/>
+          </a:p>
+          <a:p>
+            <a:pPr indent="0" lvl="0" marL="0" rtl="0" algn="l">
+              <a:spcBef>
+                <a:spcPts val="600"/>
+              </a:spcBef>
+              <a:spcAft>
+                <a:spcPts val="0"/>
+              </a:spcAft>
+              <a:buNone/>
+            </a:pPr>
+            <a:r>
+              <a:t/>
+            </a:r>
+            <a:endParaRPr sz="1500"/>
+          </a:p>
+          <a:p>
+            <a:pPr indent="0" lvl="0" marL="0" rtl="0" algn="l">
+              <a:spcBef>
+                <a:spcPts val="600"/>
+              </a:spcBef>
+              <a:spcAft>
+                <a:spcPts val="0"/>
+              </a:spcAft>
+              <a:buNone/>
+            </a:pPr>
+            <a:r>
+              <a:rPr lang="en-US" sz="1400"/>
+              <a:t>SI accounts for 10% of overall score in Lighthouse(ver 9).</a:t>
+            </a:r>
+            <a:endParaRPr sz="1400"/>
+          </a:p>
+          <a:p>
+            <a:pPr indent="0" lvl="0" marL="0" rtl="0" algn="l">
+              <a:spcBef>
+                <a:spcPts val="600"/>
+              </a:spcBef>
+              <a:spcAft>
+                <a:spcPts val="0"/>
+              </a:spcAft>
+              <a:buNone/>
+            </a:pPr>
+            <a:r>
+              <a:t/>
+            </a:r>
+            <a:endParaRPr sz="1400"/>
+          </a:p>
+          <a:p>
+            <a:pPr indent="0" lvl="0" marL="0" rtl="0" algn="l">
+              <a:spcBef>
+                <a:spcPts val="600"/>
+              </a:spcBef>
+              <a:spcAft>
+                <a:spcPts val="0"/>
+              </a:spcAft>
+              <a:buNone/>
+            </a:pPr>
+            <a:r>
+              <a:rPr lang="en-US" sz="1400"/>
+              <a:t>As per Lighthouse version 9 a SI value below 1.3s is good and over 2.3s is bad.</a:t>
+            </a:r>
+            <a:endParaRPr sz="1400"/>
+          </a:p>
+          <a:p>
+            <a:pPr indent="0" lvl="0" marL="0" rtl="0" algn="l">
+              <a:spcBef>
+                <a:spcPts val="600"/>
+              </a:spcBef>
+              <a:spcAft>
+                <a:spcPts val="0"/>
+              </a:spcAft>
+              <a:buNone/>
+            </a:pPr>
+            <a:r>
+              <a:t/>
+            </a:r>
+            <a:endParaRPr sz="1500"/>
+          </a:p>
+          <a:p>
+            <a:pPr indent="0" lvl="0" marL="0" rtl="0" algn="l">
+              <a:spcBef>
+                <a:spcPts val="600"/>
+              </a:spcBef>
+              <a:spcAft>
+                <a:spcPts val="0"/>
+              </a:spcAft>
+              <a:buClr>
+                <a:schemeClr val="dk1"/>
+              </a:buClr>
+              <a:buSzPts val="1100"/>
+              <a:buFont typeface="Arial"/>
+              <a:buNone/>
+            </a:pPr>
+            <a:r>
+              <a:t/>
+            </a:r>
+            <a:endParaRPr sz="1500"/>
+          </a:p>
+        </p:txBody>
+      </p:sp>
+    </p:spTree>
+  </p:cSld>
+  <p:clrMapOvr>
+    <a:masterClrMapping/>
+  </p:clrMapOvr>
+</p:sld>
+</file>
+
+<file path=ppt/slides/slide21.xml><?xml version="1.0" encoding="utf-8"?>
+<p:sld xmlns:a="http://schemas.openxmlformats.org/drawingml/2006/main" xmlns:r="http://schemas.openxmlformats.org/officeDocument/2006/relationships" xmlns:mc="http://schemas.openxmlformats.org/markup-compatibility/2006" xmlns:mv="urn:schemas-microsoft-com:mac:vml" xmlns:p="http://schemas.openxmlformats.org/presentationml/2006/main" xmlns:c="http://schemas.openxmlformats.org/drawingml/2006/chart" xmlns:dgm="http://schemas.openxmlformats.org/drawingml/2006/diagram" xmlns:o="urn:schemas-microsoft-com:office:office" xmlns:v="urn:schemas-microsoft-com:vml" xmlns:pvml="urn:schemas-microsoft-com:office:powerpoint" xmlns:com="http://schemas.openxmlformats.org/drawingml/2006/compatibility" xmlns:p14="http://schemas.microsoft.com/office/powerpoint/2010/main" xmlns:p15="http://schemas.microsoft.com/office/powerpoint/2012/main" xmlns:ahyp="http://schemas.microsoft.com/office/drawing/2018/hyperlinkcolor">
+  <p:cSld>
+    <p:spTree>
+      <p:nvGrpSpPr>
+        <p:cNvPr id="204" name="Shape 204"/>
+        <p:cNvGrpSpPr/>
+        <p:nvPr/>
+      </p:nvGrpSpPr>
+      <p:grpSpPr>
+        <a:xfrm>
+          <a:off x="0" y="0"/>
+          <a:ext cx="0" cy="0"/>
+          <a:chOff x="0" y="0"/>
+          <a:chExt cx="0" cy="0"/>
+        </a:xfrm>
+      </p:grpSpPr>
+      <p:sp>
+        <p:nvSpPr>
+          <p:cNvPr id="205" name="Google Shape;205;p43"/>
+          <p:cNvSpPr txBox="1"/>
+          <p:nvPr>
+            <p:ph type="title"/>
+          </p:nvPr>
+        </p:nvSpPr>
+        <p:spPr>
+          <a:xfrm>
+            <a:off x="457200" y="205978"/>
+            <a:ext cx="8229600" cy="857400"/>
+          </a:xfrm>
+          <a:prstGeom prst="rect">
+            <a:avLst/>
+          </a:prstGeom>
+        </p:spPr>
+        <p:txBody>
+          <a:bodyPr anchorCtr="0" anchor="b" bIns="91625" lIns="91625" spcFirstLastPara="1" rIns="91625" wrap="square" tIns="91625">
+            <a:noAutofit/>
+          </a:bodyPr>
+          <a:lstStyle/>
+          <a:p>
+            <a:pPr indent="0" lvl="0" marL="0" rtl="0" algn="l">
+              <a:spcBef>
+                <a:spcPts val="0"/>
+              </a:spcBef>
+              <a:spcAft>
+                <a:spcPts val="0"/>
+              </a:spcAft>
+              <a:buNone/>
+            </a:pPr>
+            <a:r>
+              <a:rPr lang="en-US"/>
+              <a:t>Speed Index</a:t>
+            </a:r>
+            <a:endParaRPr/>
+          </a:p>
+        </p:txBody>
+      </p:sp>
+      <p:pic>
+        <p:nvPicPr>
+          <p:cNvPr id="206" name="Google Shape;206;p43"/>
+          <p:cNvPicPr preferRelativeResize="0"/>
+          <p:nvPr/>
+        </p:nvPicPr>
+        <p:blipFill>
+          <a:blip r:embed="rId3">
+            <a:alphaModFix/>
+          </a:blip>
+          <a:stretch>
+            <a:fillRect/>
+          </a:stretch>
+        </p:blipFill>
+        <p:spPr>
+          <a:xfrm>
+            <a:off x="1391300" y="1156850"/>
+            <a:ext cx="2708450" cy="2708450"/>
+          </a:xfrm>
+          <a:prstGeom prst="rect">
+            <a:avLst/>
+          </a:prstGeom>
+          <a:noFill/>
+          <a:ln cap="flat" cmpd="sng" w="9525">
+            <a:solidFill>
+              <a:schemeClr val="dk1"/>
+            </a:solidFill>
+            <a:prstDash val="solid"/>
+            <a:round/>
+            <a:headEnd len="sm" w="sm" type="none"/>
+            <a:tailEnd len="sm" w="sm" type="none"/>
+          </a:ln>
+        </p:spPr>
+      </p:pic>
+      <p:pic>
+        <p:nvPicPr>
+          <p:cNvPr id="207" name="Google Shape;207;p43"/>
+          <p:cNvPicPr preferRelativeResize="0"/>
+          <p:nvPr/>
+        </p:nvPicPr>
+        <p:blipFill>
+          <a:blip r:embed="rId4">
+            <a:alphaModFix/>
+          </a:blip>
+          <a:stretch>
+            <a:fillRect/>
+          </a:stretch>
+        </p:blipFill>
+        <p:spPr>
+          <a:xfrm>
+            <a:off x="4762725" y="1156850"/>
+            <a:ext cx="2761025" cy="2761025"/>
+          </a:xfrm>
+          <a:prstGeom prst="rect">
+            <a:avLst/>
+          </a:prstGeom>
+          <a:noFill/>
+          <a:ln cap="flat" cmpd="sng" w="9525">
+            <a:solidFill>
+              <a:schemeClr val="dk1"/>
+            </a:solidFill>
+            <a:prstDash val="solid"/>
+            <a:round/>
+            <a:headEnd len="sm" w="sm" type="none"/>
+            <a:tailEnd len="sm" w="sm" type="none"/>
+          </a:ln>
+        </p:spPr>
+      </p:pic>
+      <p:sp>
+        <p:nvSpPr>
+          <p:cNvPr id="208" name="Google Shape;208;p43"/>
+          <p:cNvSpPr txBox="1"/>
+          <p:nvPr/>
+        </p:nvSpPr>
+        <p:spPr>
+          <a:xfrm>
+            <a:off x="633600" y="3958775"/>
+            <a:ext cx="7876800" cy="615600"/>
+          </a:xfrm>
+          <a:prstGeom prst="rect">
+            <a:avLst/>
+          </a:prstGeom>
+          <a:noFill/>
+          <a:ln>
+            <a:noFill/>
+          </a:ln>
+        </p:spPr>
+        <p:txBody>
+          <a:bodyPr anchorCtr="0" anchor="t" bIns="91425" lIns="91425" spcFirstLastPara="1" rIns="91425" wrap="square" tIns="91425">
+            <a:spAutoFit/>
+          </a:bodyPr>
+          <a:lstStyle/>
+          <a:p>
+            <a:pPr indent="0" lvl="0" marL="0" rtl="0" algn="l">
+              <a:spcBef>
+                <a:spcPts val="0"/>
+              </a:spcBef>
+              <a:spcAft>
+                <a:spcPts val="0"/>
+              </a:spcAft>
+              <a:buNone/>
+            </a:pPr>
+            <a:r>
+              <a:rPr lang="en-US"/>
+              <a:t>It plots the %loaded(Y) with respect to time(X) and calculates the area above the curve to find the SI.</a:t>
+            </a:r>
+            <a:endParaRPr/>
+          </a:p>
+        </p:txBody>
+      </p:sp>
+      <p:sp>
+        <p:nvSpPr>
+          <p:cNvPr id="209" name="Google Shape;209;p43"/>
+          <p:cNvSpPr txBox="1"/>
+          <p:nvPr/>
+        </p:nvSpPr>
+        <p:spPr>
+          <a:xfrm>
+            <a:off x="457200" y="4550300"/>
+            <a:ext cx="8056800" cy="400200"/>
+          </a:xfrm>
+          <a:prstGeom prst="rect">
+            <a:avLst/>
+          </a:prstGeom>
+          <a:noFill/>
+          <a:ln>
+            <a:noFill/>
+          </a:ln>
+        </p:spPr>
+        <p:txBody>
+          <a:bodyPr anchorCtr="0" anchor="t" bIns="91425" lIns="91425" spcFirstLastPara="1" rIns="91425" wrap="square" tIns="91425">
+            <a:spAutoFit/>
+          </a:bodyPr>
+          <a:lstStyle/>
+          <a:p>
+            <a:pPr indent="0" lvl="0" marL="0" rtl="0" algn="l">
+              <a:spcBef>
+                <a:spcPts val="0"/>
+              </a:spcBef>
+              <a:spcAft>
+                <a:spcPts val="0"/>
+              </a:spcAft>
+              <a:buNone/>
+            </a:pPr>
+            <a:r>
+              <a:rPr lang="en-US"/>
+              <a:t>Refer: https://github.com/WPO-Foundation/webpagetest-docs/blob/main/src/metrics/SpeedIndex.md</a:t>
+            </a:r>
+            <a:endParaRPr/>
+          </a:p>
+        </p:txBody>
+      </p:sp>
+    </p:spTree>
+  </p:cSld>
+  <p:clrMapOvr>
+    <a:masterClrMapping/>
+  </p:clrMapOvr>
+</p:sld>
+</file>
+
+<file path=ppt/slides/slide22.xml><?xml version="1.0" encoding="utf-8"?>
+<p:sld xmlns:a="http://schemas.openxmlformats.org/drawingml/2006/main" xmlns:r="http://schemas.openxmlformats.org/officeDocument/2006/relationships" xmlns:mc="http://schemas.openxmlformats.org/markup-compatibility/2006" xmlns:mv="urn:schemas-microsoft-com:mac:vml" xmlns:p="http://schemas.openxmlformats.org/presentationml/2006/main" xmlns:c="http://schemas.openxmlformats.org/drawingml/2006/chart" xmlns:dgm="http://schemas.openxmlformats.org/drawingml/2006/diagram" xmlns:o="urn:schemas-microsoft-com:office:office" xmlns:v="urn:schemas-microsoft-com:vml" xmlns:pvml="urn:schemas-microsoft-com:office:powerpoint" xmlns:com="http://schemas.openxmlformats.org/drawingml/2006/compatibility" xmlns:p14="http://schemas.microsoft.com/office/powerpoint/2010/main" xmlns:p15="http://schemas.microsoft.com/office/powerpoint/2012/main" xmlns:ahyp="http://schemas.microsoft.com/office/drawing/2018/hyperlinkcolor">
+  <p:cSld>
+    <p:spTree>
+      <p:nvGrpSpPr>
+        <p:cNvPr id="213" name="Shape 213"/>
+        <p:cNvGrpSpPr/>
+        <p:nvPr/>
+      </p:nvGrpSpPr>
+      <p:grpSpPr>
+        <a:xfrm>
+          <a:off x="0" y="0"/>
+          <a:ext cx="0" cy="0"/>
+          <a:chOff x="0" y="0"/>
+          <a:chExt cx="0" cy="0"/>
+        </a:xfrm>
+      </p:grpSpPr>
+      <p:sp>
+        <p:nvSpPr>
+          <p:cNvPr id="214" name="Google Shape;214;p44"/>
+          <p:cNvSpPr txBox="1"/>
+          <p:nvPr>
+            <p:ph type="title"/>
+          </p:nvPr>
+        </p:nvSpPr>
+        <p:spPr>
+          <a:xfrm>
+            <a:off x="457200" y="205978"/>
+            <a:ext cx="8229600" cy="857400"/>
+          </a:xfrm>
+          <a:prstGeom prst="rect">
+            <a:avLst/>
+          </a:prstGeom>
+        </p:spPr>
+        <p:txBody>
+          <a:bodyPr anchorCtr="0" anchor="b" bIns="91625" lIns="91625" spcFirstLastPara="1" rIns="91625" wrap="square" tIns="91625">
+            <a:noAutofit/>
+          </a:bodyPr>
+          <a:lstStyle/>
+          <a:p>
+            <a:pPr indent="0" lvl="0" marL="0" rtl="0" algn="l">
+              <a:spcBef>
+                <a:spcPts val="0"/>
+              </a:spcBef>
+              <a:spcAft>
+                <a:spcPts val="0"/>
+              </a:spcAft>
+              <a:buNone/>
+            </a:pPr>
+            <a:r>
+              <a:rPr lang="en-US"/>
+              <a:t>Other Webvitals</a:t>
+            </a:r>
+            <a:endParaRPr/>
+          </a:p>
+        </p:txBody>
+      </p:sp>
+      <p:sp>
+        <p:nvSpPr>
+          <p:cNvPr id="215" name="Google Shape;215;p44"/>
           <p:cNvSpPr txBox="1"/>
           <p:nvPr>
             <p:ph idx="1" type="body"/>
@@ -13657,23 +14273,6 @@
             </a:pPr>
             <a:r>
               <a:rPr lang="en-US" sz="1500"/>
-              <a:t>Third party domains</a:t>
-            </a:r>
-            <a:endParaRPr sz="1500"/>
-          </a:p>
-          <a:p>
-            <a:pPr indent="-323850" lvl="0" marL="457200" rtl="0" algn="l">
-              <a:spcBef>
-                <a:spcPts val="0"/>
-              </a:spcBef>
-              <a:spcAft>
-                <a:spcPts val="0"/>
-              </a:spcAft>
-              <a:buSzPts val="1500"/>
-              <a:buAutoNum type="arabicPeriod"/>
-            </a:pPr>
-            <a:r>
-              <a:rPr lang="en-US" sz="1500"/>
               <a:t>Error rate</a:t>
             </a:r>
             <a:endParaRPr sz="1500"/>
@@ -13733,7 +14332,7 @@
       </p:sp>
       <p:sp>
         <p:nvSpPr>
-          <p:cNvPr id="202" name="Google Shape;202;p42"/>
+          <p:cNvPr id="216" name="Google Shape;216;p44"/>
           <p:cNvSpPr txBox="1"/>
           <p:nvPr/>
         </p:nvSpPr>
@@ -13785,12 +14384,12 @@
 </p:sld>
 </file>
 
-<file path=ppt/slides/slide21.xml><?xml version="1.0" encoding="utf-8"?>
+<file path=ppt/slides/slide23.xml><?xml version="1.0" encoding="utf-8"?>
 <p:sld xmlns:a="http://schemas.openxmlformats.org/drawingml/2006/main" xmlns:r="http://schemas.openxmlformats.org/officeDocument/2006/relationships" xmlns:mc="http://schemas.openxmlformats.org/markup-compatibility/2006" xmlns:mv="urn:schemas-microsoft-com:mac:vml" xmlns:p="http://schemas.openxmlformats.org/presentationml/2006/main" xmlns:c="http://schemas.openxmlformats.org/drawingml/2006/chart" xmlns:dgm="http://schemas.openxmlformats.org/drawingml/2006/diagram" xmlns:o="urn:schemas-microsoft-com:office:office" xmlns:v="urn:schemas-microsoft-com:vml" xmlns:pvml="urn:schemas-microsoft-com:office:powerpoint" xmlns:com="http://schemas.openxmlformats.org/drawingml/2006/compatibility" xmlns:p14="http://schemas.microsoft.com/office/powerpoint/2010/main" xmlns:p15="http://schemas.microsoft.com/office/powerpoint/2012/main" xmlns:ahyp="http://schemas.microsoft.com/office/drawing/2018/hyperlinkcolor">
   <p:cSld>
     <p:spTree>
       <p:nvGrpSpPr>
-        <p:cNvPr id="206" name="Shape 206"/>
+        <p:cNvPr id="220" name="Shape 220"/>
         <p:cNvGrpSpPr/>
         <p:nvPr/>
       </p:nvGrpSpPr>
@@ -13804,7 +14403,7 @@
       </p:grpSpPr>
       <p:sp>
         <p:nvSpPr>
-          <p:cNvPr id="207" name="Google Shape;207;p43"/>
+          <p:cNvPr id="221" name="Google Shape;221;p45"/>
           <p:cNvSpPr txBox="1"/>
           <p:nvPr>
             <p:ph type="title"/>
@@ -13850,12 +14449,12 @@
 </p:sld>
 </file>
 
-<file path=ppt/slides/slide22.xml><?xml version="1.0" encoding="utf-8"?>
+<file path=ppt/slides/slide24.xml><?xml version="1.0" encoding="utf-8"?>
 <p:sld xmlns:a="http://schemas.openxmlformats.org/drawingml/2006/main" xmlns:r="http://schemas.openxmlformats.org/officeDocument/2006/relationships" xmlns:mc="http://schemas.openxmlformats.org/markup-compatibility/2006" xmlns:mv="urn:schemas-microsoft-com:mac:vml" xmlns:p="http://schemas.openxmlformats.org/presentationml/2006/main" xmlns:c="http://schemas.openxmlformats.org/drawingml/2006/chart" xmlns:dgm="http://schemas.openxmlformats.org/drawingml/2006/diagram" xmlns:o="urn:schemas-microsoft-com:office:office" xmlns:v="urn:schemas-microsoft-com:vml" xmlns:pvml="urn:schemas-microsoft-com:office:powerpoint" xmlns:com="http://schemas.openxmlformats.org/drawingml/2006/compatibility" xmlns:p14="http://schemas.microsoft.com/office/powerpoint/2010/main" xmlns:p15="http://schemas.microsoft.com/office/powerpoint/2012/main" xmlns:ahyp="http://schemas.microsoft.com/office/drawing/2018/hyperlinkcolor">
   <p:cSld>
     <p:spTree>
       <p:nvGrpSpPr>
-        <p:cNvPr id="211" name="Shape 211"/>
+        <p:cNvPr id="225" name="Shape 225"/>
         <p:cNvGrpSpPr/>
         <p:nvPr/>
       </p:nvGrpSpPr>
@@ -13869,7 +14468,7 @@
       </p:grpSpPr>
       <p:sp>
         <p:nvSpPr>
-          <p:cNvPr id="212" name="Google Shape;212;p44"/>
+          <p:cNvPr id="226" name="Google Shape;226;p46"/>
           <p:cNvSpPr txBox="1"/>
           <p:nvPr>
             <p:ph type="title"/>
@@ -13909,7 +14508,7 @@
       </p:sp>
       <p:sp>
         <p:nvSpPr>
-          <p:cNvPr id="213" name="Google Shape;213;p44"/>
+          <p:cNvPr id="227" name="Google Shape;227;p46"/>
           <p:cNvSpPr txBox="1"/>
           <p:nvPr>
             <p:ph idx="1" type="body"/>
@@ -14122,7 +14721,7 @@
       </p:sp>
       <p:pic>
         <p:nvPicPr>
-          <p:cNvPr id="214" name="Google Shape;214;p44"/>
+          <p:cNvPr id="228" name="Google Shape;228;p46"/>
           <p:cNvPicPr preferRelativeResize="0"/>
           <p:nvPr/>
         </p:nvPicPr>
@@ -14164,12 +14763,12 @@
 </p:sld>
 </file>
 
-<file path=ppt/slides/slide23.xml><?xml version="1.0" encoding="utf-8"?>
+<file path=ppt/slides/slide25.xml><?xml version="1.0" encoding="utf-8"?>
 <p:sld xmlns:a="http://schemas.openxmlformats.org/drawingml/2006/main" xmlns:r="http://schemas.openxmlformats.org/officeDocument/2006/relationships" xmlns:mc="http://schemas.openxmlformats.org/markup-compatibility/2006" xmlns:mv="urn:schemas-microsoft-com:mac:vml" xmlns:p="http://schemas.openxmlformats.org/presentationml/2006/main" xmlns:c="http://schemas.openxmlformats.org/drawingml/2006/chart" xmlns:dgm="http://schemas.openxmlformats.org/drawingml/2006/diagram" xmlns:o="urn:schemas-microsoft-com:office:office" xmlns:v="urn:schemas-microsoft-com:vml" xmlns:pvml="urn:schemas-microsoft-com:office:powerpoint" xmlns:com="http://schemas.openxmlformats.org/drawingml/2006/compatibility" xmlns:p14="http://schemas.microsoft.com/office/powerpoint/2010/main" xmlns:p15="http://schemas.microsoft.com/office/powerpoint/2012/main" xmlns:ahyp="http://schemas.microsoft.com/office/drawing/2018/hyperlinkcolor">
   <p:cSld>
     <p:spTree>
       <p:nvGrpSpPr>
-        <p:cNvPr id="218" name="Shape 218"/>
+        <p:cNvPr id="232" name="Shape 232"/>
         <p:cNvGrpSpPr/>
         <p:nvPr/>
       </p:nvGrpSpPr>
@@ -14183,7 +14782,7 @@
       </p:grpSpPr>
       <p:sp>
         <p:nvSpPr>
-          <p:cNvPr id="219" name="Google Shape;219;p45"/>
+          <p:cNvPr id="233" name="Google Shape;233;p47"/>
           <p:cNvSpPr txBox="1"/>
           <p:nvPr>
             <p:ph type="title"/>
@@ -14223,7 +14822,7 @@
       </p:sp>
       <p:sp>
         <p:nvSpPr>
-          <p:cNvPr id="220" name="Google Shape;220;p45"/>
+          <p:cNvPr id="234" name="Google Shape;234;p47"/>
           <p:cNvSpPr txBox="1"/>
           <p:nvPr>
             <p:ph idx="1" type="body"/>
@@ -15398,7 +15997,7 @@
             </a:pPr>
             <a:r>
               <a:rPr lang="en-US"/>
-              <a:t>LCP-Demo</a:t>
+              <a:t>Optimize LCP</a:t>
             </a:r>
             <a:endParaRPr/>
           </a:p>
@@ -15407,6 +16006,236 @@
       <p:sp>
         <p:nvSpPr>
           <p:cNvPr id="116" name="Google Shape;116;p29"/>
+          <p:cNvSpPr txBox="1"/>
+          <p:nvPr>
+            <p:ph idx="1" type="body"/>
+          </p:nvPr>
+        </p:nvSpPr>
+        <p:spPr>
+          <a:xfrm>
+            <a:off x="457200" y="1200150"/>
+            <a:ext cx="8229600" cy="2959800"/>
+          </a:xfrm>
+          <a:prstGeom prst="rect">
+            <a:avLst/>
+          </a:prstGeom>
+        </p:spPr>
+        <p:txBody>
+          <a:bodyPr anchorCtr="0" anchor="t" bIns="91625" lIns="91625" spcFirstLastPara="1" rIns="91625" wrap="square" tIns="91625">
+            <a:noAutofit/>
+          </a:bodyPr>
+          <a:lstStyle/>
+          <a:p>
+            <a:pPr indent="-323850" lvl="0" marL="457200" rtl="0" algn="l">
+              <a:spcBef>
+                <a:spcPts val="600"/>
+              </a:spcBef>
+              <a:spcAft>
+                <a:spcPts val="0"/>
+              </a:spcAft>
+              <a:buSzPts val="1500"/>
+              <a:buAutoNum type="arabicParenR"/>
+            </a:pPr>
+            <a:r>
+              <a:rPr lang="en-US" sz="1500"/>
+              <a:t>Preload Lcp resources</a:t>
+            </a:r>
+            <a:endParaRPr sz="1500"/>
+          </a:p>
+          <a:p>
+            <a:pPr indent="0" lvl="0" marL="457200" rtl="0" algn="l">
+              <a:spcBef>
+                <a:spcPts val="600"/>
+              </a:spcBef>
+              <a:spcAft>
+                <a:spcPts val="0"/>
+              </a:spcAft>
+              <a:buNone/>
+            </a:pPr>
+            <a:r>
+              <a:rPr lang="en-US" sz="1500"/>
+              <a:t>&lt;link rel="preload" href="/styles/other.css" as="style"&gt;</a:t>
+            </a:r>
+            <a:endParaRPr sz="1500"/>
+          </a:p>
+          <a:p>
+            <a:pPr indent="0" lvl="0" marL="457200" rtl="0" algn="l">
+              <a:spcBef>
+                <a:spcPts val="600"/>
+              </a:spcBef>
+              <a:spcAft>
+                <a:spcPts val="0"/>
+              </a:spcAft>
+              <a:buNone/>
+            </a:pPr>
+            <a:r>
+              <a:rPr lang="en-US" sz="1500"/>
+              <a:t>&lt;link rel="preload" as="image" href="important.png"&gt;</a:t>
+            </a:r>
+            <a:endParaRPr sz="1500"/>
+          </a:p>
+          <a:p>
+            <a:pPr indent="-323850" lvl="0" marL="457200" rtl="0" algn="l">
+              <a:spcBef>
+                <a:spcPts val="600"/>
+              </a:spcBef>
+              <a:spcAft>
+                <a:spcPts val="0"/>
+              </a:spcAft>
+              <a:buSzPts val="1500"/>
+              <a:buAutoNum type="arabicParenR"/>
+            </a:pPr>
+            <a:r>
+              <a:rPr lang="en-US" sz="1500"/>
+              <a:t>Increase fetch priority</a:t>
+            </a:r>
+            <a:endParaRPr sz="1500"/>
+          </a:p>
+          <a:p>
+            <a:pPr indent="0" lvl="0" marL="0" rtl="0" algn="l">
+              <a:spcBef>
+                <a:spcPts val="600"/>
+              </a:spcBef>
+              <a:spcAft>
+                <a:spcPts val="0"/>
+              </a:spcAft>
+              <a:buNone/>
+            </a:pPr>
+            <a:r>
+              <a:rPr lang="en-US" sz="1500"/>
+              <a:t>	&lt;img fetchpriority="high" src="/path/to/hero-image.webp"&gt;</a:t>
+            </a:r>
+            <a:endParaRPr sz="1500"/>
+          </a:p>
+          <a:p>
+            <a:pPr indent="-323850" lvl="0" marL="457200" rtl="0" algn="l">
+              <a:spcBef>
+                <a:spcPts val="600"/>
+              </a:spcBef>
+              <a:spcAft>
+                <a:spcPts val="0"/>
+              </a:spcAft>
+              <a:buSzPts val="1500"/>
+              <a:buAutoNum type="arabicParenR"/>
+            </a:pPr>
+            <a:r>
+              <a:rPr lang="en-US" sz="1500"/>
+              <a:t>Defer non critical css/js (inline supercritical ones)</a:t>
+            </a:r>
+            <a:endParaRPr sz="1500"/>
+          </a:p>
+        </p:txBody>
+      </p:sp>
+      <p:sp>
+        <p:nvSpPr>
+          <p:cNvPr id="117" name="Google Shape;117;p29"/>
+          <p:cNvSpPr txBox="1"/>
+          <p:nvPr/>
+        </p:nvSpPr>
+        <p:spPr>
+          <a:xfrm>
+            <a:off x="668275" y="4400125"/>
+            <a:ext cx="4482600" cy="400200"/>
+          </a:xfrm>
+          <a:prstGeom prst="rect">
+            <a:avLst/>
+          </a:prstGeom>
+          <a:noFill/>
+          <a:ln>
+            <a:noFill/>
+          </a:ln>
+        </p:spPr>
+        <p:txBody>
+          <a:bodyPr anchorCtr="0" anchor="t" bIns="91425" lIns="91425" spcFirstLastPara="1" rIns="91425" wrap="square" tIns="91425">
+            <a:spAutoFit/>
+          </a:bodyPr>
+          <a:lstStyle/>
+          <a:p>
+            <a:pPr indent="0" lvl="0" marL="0" rtl="0" algn="l">
+              <a:spcBef>
+                <a:spcPts val="0"/>
+              </a:spcBef>
+              <a:spcAft>
+                <a:spcPts val="0"/>
+              </a:spcAft>
+              <a:buNone/>
+            </a:pPr>
+            <a:r>
+              <a:rPr lang="en-US"/>
+              <a:t>Refer: https://web.dev/optimize-lcp/</a:t>
+            </a:r>
+            <a:endParaRPr/>
+          </a:p>
+        </p:txBody>
+      </p:sp>
+    </p:spTree>
+  </p:cSld>
+  <p:clrMapOvr>
+    <a:masterClrMapping/>
+  </p:clrMapOvr>
+</p:sld>
+</file>
+
+<file path=ppt/slides/slide8.xml><?xml version="1.0" encoding="utf-8"?>
+<p:sld xmlns:a="http://schemas.openxmlformats.org/drawingml/2006/main" xmlns:r="http://schemas.openxmlformats.org/officeDocument/2006/relationships" xmlns:mc="http://schemas.openxmlformats.org/markup-compatibility/2006" xmlns:mv="urn:schemas-microsoft-com:mac:vml" xmlns:p="http://schemas.openxmlformats.org/presentationml/2006/main" xmlns:c="http://schemas.openxmlformats.org/drawingml/2006/chart" xmlns:dgm="http://schemas.openxmlformats.org/drawingml/2006/diagram" xmlns:o="urn:schemas-microsoft-com:office:office" xmlns:v="urn:schemas-microsoft-com:vml" xmlns:pvml="urn:schemas-microsoft-com:office:powerpoint" xmlns:com="http://schemas.openxmlformats.org/drawingml/2006/compatibility" xmlns:p14="http://schemas.microsoft.com/office/powerpoint/2010/main" xmlns:p15="http://schemas.microsoft.com/office/powerpoint/2012/main" xmlns:ahyp="http://schemas.microsoft.com/office/drawing/2018/hyperlinkcolor">
+  <p:cSld>
+    <p:spTree>
+      <p:nvGrpSpPr>
+        <p:cNvPr id="121" name="Shape 121"/>
+        <p:cNvGrpSpPr/>
+        <p:nvPr/>
+      </p:nvGrpSpPr>
+      <p:grpSpPr>
+        <a:xfrm>
+          <a:off x="0" y="0"/>
+          <a:ext cx="0" cy="0"/>
+          <a:chOff x="0" y="0"/>
+          <a:chExt cx="0" cy="0"/>
+        </a:xfrm>
+      </p:grpSpPr>
+      <p:sp>
+        <p:nvSpPr>
+          <p:cNvPr id="122" name="Google Shape;122;p30"/>
+          <p:cNvSpPr txBox="1"/>
+          <p:nvPr>
+            <p:ph type="title"/>
+          </p:nvPr>
+        </p:nvSpPr>
+        <p:spPr>
+          <a:xfrm>
+            <a:off x="457200" y="205978"/>
+            <a:ext cx="8229600" cy="857400"/>
+          </a:xfrm>
+          <a:prstGeom prst="rect">
+            <a:avLst/>
+          </a:prstGeom>
+        </p:spPr>
+        <p:txBody>
+          <a:bodyPr anchorCtr="0" anchor="b" bIns="91625" lIns="91625" spcFirstLastPara="1" rIns="91625" wrap="square" tIns="91625">
+            <a:noAutofit/>
+          </a:bodyPr>
+          <a:lstStyle/>
+          <a:p>
+            <a:pPr indent="0" lvl="0" marL="0" rtl="0" algn="l">
+              <a:spcBef>
+                <a:spcPts val="0"/>
+              </a:spcBef>
+              <a:spcAft>
+                <a:spcPts val="0"/>
+              </a:spcAft>
+              <a:buNone/>
+            </a:pPr>
+            <a:r>
+              <a:rPr lang="en-US"/>
+              <a:t>LCP-Demo</a:t>
+            </a:r>
+            <a:endParaRPr/>
+          </a:p>
+        </p:txBody>
+      </p:sp>
+      <p:sp>
+        <p:nvSpPr>
+          <p:cNvPr id="123" name="Google Shape;123;p30"/>
           <p:cNvSpPr txBox="1"/>
           <p:nvPr>
             <p:ph idx="1" type="body"/>
@@ -15439,7 +16268,7 @@
             </a:pPr>
             <a:r>
               <a:rPr lang="en-US" sz="1500"/>
-              <a:t>how the metric is dependent on viewport</a:t>
+              <a:t>Notice how the metric is dependent on viewport</a:t>
             </a:r>
             <a:endParaRPr sz="1500"/>
           </a:p>
@@ -15468,12 +16297,12 @@
 </p:sld>
 </file>
 
-<file path=ppt/slides/slide8.xml><?xml version="1.0" encoding="utf-8"?>
+<file path=ppt/slides/slide9.xml><?xml version="1.0" encoding="utf-8"?>
 <p:sld xmlns:a="http://schemas.openxmlformats.org/drawingml/2006/main" xmlns:r="http://schemas.openxmlformats.org/officeDocument/2006/relationships" xmlns:mc="http://schemas.openxmlformats.org/markup-compatibility/2006" xmlns:mv="urn:schemas-microsoft-com:mac:vml" xmlns:p="http://schemas.openxmlformats.org/presentationml/2006/main" xmlns:c="http://schemas.openxmlformats.org/drawingml/2006/chart" xmlns:dgm="http://schemas.openxmlformats.org/drawingml/2006/diagram" xmlns:o="urn:schemas-microsoft-com:office:office" xmlns:v="urn:schemas-microsoft-com:vml" xmlns:pvml="urn:schemas-microsoft-com:office:powerpoint" xmlns:com="http://schemas.openxmlformats.org/drawingml/2006/compatibility" xmlns:p14="http://schemas.microsoft.com/office/powerpoint/2010/main" xmlns:p15="http://schemas.microsoft.com/office/powerpoint/2012/main" xmlns:ahyp="http://schemas.microsoft.com/office/drawing/2018/hyperlinkcolor">
   <p:cSld>
     <p:spTree>
       <p:nvGrpSpPr>
-        <p:cNvPr id="120" name="Shape 120"/>
+        <p:cNvPr id="127" name="Shape 127"/>
         <p:cNvGrpSpPr/>
         <p:nvPr/>
       </p:nvGrpSpPr>
@@ -15487,7 +16316,7 @@
       </p:grpSpPr>
       <p:sp>
         <p:nvSpPr>
-          <p:cNvPr id="121" name="Google Shape;121;p30"/>
+          <p:cNvPr id="128" name="Google Shape;128;p31"/>
           <p:cNvSpPr txBox="1"/>
           <p:nvPr>
             <p:ph type="title"/>
@@ -15527,7 +16356,7 @@
       </p:sp>
       <p:sp>
         <p:nvSpPr>
-          <p:cNvPr id="122" name="Google Shape;122;p30"/>
+          <p:cNvPr id="129" name="Google Shape;129;p31"/>
           <p:cNvSpPr txBox="1"/>
           <p:nvPr>
             <p:ph idx="1" type="body"/>
@@ -15788,223 +16617,6 @@
               <a:t/>
             </a:r>
             <a:endParaRPr sz="1400"/>
-          </a:p>
-        </p:txBody>
-      </p:sp>
-    </p:spTree>
-  </p:cSld>
-  <p:clrMapOvr>
-    <a:masterClrMapping/>
-  </p:clrMapOvr>
-</p:sld>
-</file>
-
-<file path=ppt/slides/slide9.xml><?xml version="1.0" encoding="utf-8"?>
-<p:sld xmlns:a="http://schemas.openxmlformats.org/drawingml/2006/main" xmlns:r="http://schemas.openxmlformats.org/officeDocument/2006/relationships" xmlns:mc="http://schemas.openxmlformats.org/markup-compatibility/2006" xmlns:mv="urn:schemas-microsoft-com:mac:vml" xmlns:p="http://schemas.openxmlformats.org/presentationml/2006/main" xmlns:c="http://schemas.openxmlformats.org/drawingml/2006/chart" xmlns:dgm="http://schemas.openxmlformats.org/drawingml/2006/diagram" xmlns:o="urn:schemas-microsoft-com:office:office" xmlns:v="urn:schemas-microsoft-com:vml" xmlns:pvml="urn:schemas-microsoft-com:office:powerpoint" xmlns:com="http://schemas.openxmlformats.org/drawingml/2006/compatibility" xmlns:p14="http://schemas.microsoft.com/office/powerpoint/2010/main" xmlns:p15="http://schemas.microsoft.com/office/powerpoint/2012/main" xmlns:ahyp="http://schemas.microsoft.com/office/drawing/2018/hyperlinkcolor">
-  <p:cSld>
-    <p:spTree>
-      <p:nvGrpSpPr>
-        <p:cNvPr id="126" name="Shape 126"/>
-        <p:cNvGrpSpPr/>
-        <p:nvPr/>
-      </p:nvGrpSpPr>
-      <p:grpSpPr>
-        <a:xfrm>
-          <a:off x="0" y="0"/>
-          <a:ext cx="0" cy="0"/>
-          <a:chOff x="0" y="0"/>
-          <a:chExt cx="0" cy="0"/>
-        </a:xfrm>
-      </p:grpSpPr>
-      <p:sp>
-        <p:nvSpPr>
-          <p:cNvPr id="127" name="Google Shape;127;p31"/>
-          <p:cNvSpPr txBox="1"/>
-          <p:nvPr>
-            <p:ph type="title"/>
-          </p:nvPr>
-        </p:nvSpPr>
-        <p:spPr>
-          <a:xfrm>
-            <a:off x="457200" y="205978"/>
-            <a:ext cx="8229600" cy="857400"/>
-          </a:xfrm>
-          <a:prstGeom prst="rect">
-            <a:avLst/>
-          </a:prstGeom>
-        </p:spPr>
-        <p:txBody>
-          <a:bodyPr anchorCtr="0" anchor="b" bIns="91625" lIns="91625" spcFirstLastPara="1" rIns="91625" wrap="square" tIns="91625">
-            <a:noAutofit/>
-          </a:bodyPr>
-          <a:lstStyle/>
-          <a:p>
-            <a:pPr indent="0" lvl="0" marL="0" rtl="0" algn="l">
-              <a:spcBef>
-                <a:spcPts val="0"/>
-              </a:spcBef>
-              <a:spcAft>
-                <a:spcPts val="0"/>
-              </a:spcAft>
-              <a:buNone/>
-            </a:pPr>
-            <a:r>
-              <a:rPr lang="en-US"/>
-              <a:t>First Input Delay</a:t>
-            </a:r>
-            <a:r>
-              <a:rPr lang="en-US"/>
-              <a:t> (FID)</a:t>
-            </a:r>
-            <a:endParaRPr/>
-          </a:p>
-        </p:txBody>
-      </p:sp>
-      <p:sp>
-        <p:nvSpPr>
-          <p:cNvPr id="128" name="Google Shape;128;p31"/>
-          <p:cNvSpPr txBox="1"/>
-          <p:nvPr>
-            <p:ph idx="1" type="body"/>
-          </p:nvPr>
-        </p:nvSpPr>
-        <p:spPr>
-          <a:xfrm>
-            <a:off x="457200" y="1200150"/>
-            <a:ext cx="8229600" cy="3725700"/>
-          </a:xfrm>
-          <a:prstGeom prst="rect">
-            <a:avLst/>
-          </a:prstGeom>
-        </p:spPr>
-        <p:txBody>
-          <a:bodyPr anchorCtr="0" anchor="t" bIns="91625" lIns="91625" spcFirstLastPara="1" rIns="91625" wrap="square" tIns="91625">
-            <a:noAutofit/>
-          </a:bodyPr>
-          <a:lstStyle/>
-          <a:p>
-            <a:pPr indent="0" lvl="0" marL="0" rtl="0" algn="l">
-              <a:spcBef>
-                <a:spcPts val="600"/>
-              </a:spcBef>
-              <a:spcAft>
-                <a:spcPts val="0"/>
-              </a:spcAft>
-              <a:buNone/>
-            </a:pPr>
-            <a:r>
-              <a:rPr lang="en-US" sz="1500"/>
-              <a:t>FID is a core webvital that </a:t>
-            </a:r>
-            <a:r>
-              <a:rPr b="1" lang="en-US" sz="1500"/>
-              <a:t>can not</a:t>
-            </a:r>
-            <a:r>
-              <a:rPr lang="en-US" sz="1500"/>
-              <a:t> be measured directly in Lighthouse.</a:t>
-            </a:r>
-            <a:endParaRPr sz="1500"/>
-          </a:p>
-          <a:p>
-            <a:pPr indent="0" lvl="0" marL="0" rtl="0" algn="l">
-              <a:spcBef>
-                <a:spcPts val="600"/>
-              </a:spcBef>
-              <a:spcAft>
-                <a:spcPts val="0"/>
-              </a:spcAft>
-              <a:buNone/>
-            </a:pPr>
-            <a:r>
-              <a:t/>
-            </a:r>
-            <a:endParaRPr sz="1500"/>
-          </a:p>
-          <a:p>
-            <a:pPr indent="0" lvl="0" marL="0" rtl="0" algn="l">
-              <a:spcBef>
-                <a:spcPts val="600"/>
-              </a:spcBef>
-              <a:spcAft>
-                <a:spcPts val="0"/>
-              </a:spcAft>
-              <a:buNone/>
-            </a:pPr>
-            <a:r>
-              <a:rPr lang="en-US" sz="1500"/>
-              <a:t>FID measures the time from when a user first interacts with a page (i.e. when they click a link, tap on a button, or use a custom, JavaScript-powered control) to the time when the browser is actually able to begin processing event handlers in response to that interaction.</a:t>
-            </a:r>
-            <a:endParaRPr sz="1500"/>
-          </a:p>
-          <a:p>
-            <a:pPr indent="0" lvl="0" marL="0" rtl="0" algn="l">
-              <a:spcBef>
-                <a:spcPts val="600"/>
-              </a:spcBef>
-              <a:spcAft>
-                <a:spcPts val="0"/>
-              </a:spcAft>
-              <a:buNone/>
-            </a:pPr>
-            <a:r>
-              <a:t/>
-            </a:r>
-            <a:endParaRPr sz="1500"/>
-          </a:p>
-          <a:p>
-            <a:pPr indent="0" lvl="0" marL="0" rtl="0" algn="l">
-              <a:lnSpc>
-                <a:spcPct val="150000"/>
-              </a:lnSpc>
-              <a:spcBef>
-                <a:spcPts val="600"/>
-              </a:spcBef>
-              <a:spcAft>
-                <a:spcPts val="0"/>
-              </a:spcAft>
-              <a:buNone/>
-            </a:pPr>
-            <a:r>
-              <a:rPr lang="en-US" sz="1400"/>
-              <a:t>Anything below 100ms is considered good and over 300ms is bad.</a:t>
-            </a:r>
-            <a:endParaRPr sz="1500"/>
-          </a:p>
-          <a:p>
-            <a:pPr indent="0" lvl="0" marL="0" rtl="0" algn="l">
-              <a:spcBef>
-                <a:spcPts val="600"/>
-              </a:spcBef>
-              <a:spcAft>
-                <a:spcPts val="0"/>
-              </a:spcAft>
-              <a:buNone/>
-            </a:pPr>
-            <a:r>
-              <a:t/>
-            </a:r>
-            <a:endParaRPr sz="1500"/>
-          </a:p>
-          <a:p>
-            <a:pPr indent="0" lvl="0" marL="0" rtl="0" algn="l">
-              <a:spcBef>
-                <a:spcPts val="600"/>
-              </a:spcBef>
-              <a:spcAft>
-                <a:spcPts val="0"/>
-              </a:spcAft>
-              <a:buNone/>
-            </a:pPr>
-            <a:r>
-              <a:rPr b="1" lang="en-US" sz="1500"/>
-              <a:t>NOTE:</a:t>
-            </a:r>
-            <a:r>
-              <a:rPr lang="en-US" sz="1500"/>
-              <a:t> Since FID requires field data and thus cannot be measured in the lab. The Total Blocking Time (TBT) which is lab-measurable, correlates well with FID in the field, and also captures issues that affect interactivity. Optimizations that improve TBT in the lab should also improve FID.</a:t>
-            </a:r>
-            <a:endParaRPr sz="1500"/>
           </a:p>
         </p:txBody>
       </p:sp>
@@ -16296,6 +16908,285 @@
 </file>
 
 <file path=ppt/theme/theme2.xml><?xml version="1.0" encoding="utf-8"?>
+<a:theme xmlns:a="http://schemas.openxmlformats.org/drawingml/2006/main" xmlns:r="http://schemas.openxmlformats.org/officeDocument/2006/relationships" name="Custom">
+  <a:themeElements>
+    <a:clrScheme name="blank">
+      <a:dk1>
+        <a:srgbClr val="000000"/>
+      </a:dk1>
+      <a:lt1>
+        <a:srgbClr val="FFFFFF"/>
+      </a:lt1>
+      <a:dk2>
+        <a:srgbClr val="073763"/>
+      </a:dk2>
+      <a:lt2>
+        <a:srgbClr val="CFE2F3"/>
+      </a:lt2>
+      <a:accent1>
+        <a:srgbClr val="404040"/>
+      </a:accent1>
+      <a:accent2>
+        <a:srgbClr val="808080"/>
+      </a:accent2>
+      <a:accent3>
+        <a:srgbClr val="C0C0C0"/>
+      </a:accent3>
+      <a:accent4>
+        <a:srgbClr val="396187"/>
+      </a:accent4>
+      <a:accent5>
+        <a:srgbClr val="6B8CAB"/>
+      </a:accent5>
+      <a:accent6>
+        <a:srgbClr val="9DB7CF"/>
+      </a:accent6>
+      <a:hlink>
+        <a:srgbClr val="0000EE"/>
+      </a:hlink>
+      <a:folHlink>
+        <a:srgbClr val="551A8B"/>
+      </a:folHlink>
+    </a:clrScheme>
+    <a:fontScheme name="Office">
+      <a:majorFont>
+        <a:latin typeface="Arial"/>
+        <a:ea typeface=""/>
+        <a:cs typeface=""/>
+        <a:font script="Jpan" typeface="ＭＳ Ｐゴシック"/>
+        <a:font script="Hang" typeface="맑은 고딕"/>
+        <a:font script="Hans" typeface="宋体"/>
+        <a:font script="Hant" typeface="新細明體"/>
+        <a:font script="Arab" typeface="Times New Roman"/>
+        <a:font script="Hebr" typeface="Times New Roman"/>
+        <a:font script="Thai" typeface="Angsana New"/>
+        <a:font script="Ethi" typeface="Nyala"/>
+        <a:font script="Beng" typeface="Vrinda"/>
+        <a:font script="Gujr" typeface="Shruti"/>
+        <a:font script="Khmr" typeface="MoolBoran"/>
+        <a:font script="Knda" typeface="Tunga"/>
+        <a:font script="Guru" typeface="Raavi"/>
+        <a:font script="Cans" typeface="Euphemia"/>
+        <a:font script="Cher" typeface="Plantagenet Cherokee"/>
+        <a:font script="Yiii" typeface="Microsoft Yi Baiti"/>
+        <a:font script="Tibt" typeface="Microsoft Himalaya"/>
+        <a:font script="Thaa" typeface="MV Boli"/>
+        <a:font script="Deva" typeface="Mangal"/>
+        <a:font script="Telu" typeface="Gautami"/>
+        <a:font script="Taml" typeface="Latha"/>
+        <a:font script="Syrc" typeface="Estrangelo Edessa"/>
+        <a:font script="Orya" typeface="Kalinga"/>
+        <a:font script="Mlym" typeface="Kartika"/>
+        <a:font script="Laoo" typeface="DokChampa"/>
+        <a:font script="Sinh" typeface="Iskoola Pota"/>
+        <a:font script="Mong" typeface="Mongolian Baiti"/>
+        <a:font script="Viet" typeface="Times New Roman"/>
+        <a:font script="Uigh" typeface="Microsoft Uighur"/>
+        <a:font script="Geor" typeface="Sylfaen"/>
+      </a:majorFont>
+      <a:minorFont>
+        <a:latin typeface="Arial"/>
+        <a:ea typeface=""/>
+        <a:cs typeface=""/>
+        <a:font script="Jpan" typeface="ＭＳ Ｐゴシック"/>
+        <a:font script="Hang" typeface="맑은 고딕"/>
+        <a:font script="Hans" typeface="宋体"/>
+        <a:font script="Hant" typeface="新細明體"/>
+        <a:font script="Arab" typeface="Arial"/>
+        <a:font script="Hebr" typeface="Arial"/>
+        <a:font script="Thai" typeface="Cordia New"/>
+        <a:font script="Ethi" typeface="Nyala"/>
+        <a:font script="Beng" typeface="Vrinda"/>
+        <a:font script="Gujr" typeface="Shruti"/>
+        <a:font script="Khmr" typeface="DaunPenh"/>
+        <a:font script="Knda" typeface="Tunga"/>
+        <a:font script="Guru" typeface="Raavi"/>
+        <a:font script="Cans" typeface="Euphemia"/>
+        <a:font script="Cher" typeface="Plantagenet Cherokee"/>
+        <a:font script="Yiii" typeface="Microsoft Yi Baiti"/>
+        <a:font script="Tibt" typeface="Microsoft Himalaya"/>
+        <a:font script="Thaa" typeface="MV Boli"/>
+        <a:font script="Deva" typeface="Mangal"/>
+        <a:font script="Telu" typeface="Gautami"/>
+        <a:font script="Taml" typeface="Latha"/>
+        <a:font script="Syrc" typeface="Estrangelo Edessa"/>
+        <a:font script="Orya" typeface="Kalinga"/>
+        <a:font script="Mlym" typeface="Kartika"/>
+        <a:font script="Laoo" typeface="DokChampa"/>
+        <a:font script="Sinh" typeface="Iskoola Pota"/>
+        <a:font script="Mong" typeface="Mongolian Baiti"/>
+        <a:font script="Viet" typeface="Arial"/>
+        <a:font script="Uigh" typeface="Microsoft Uighur"/>
+        <a:font script="Geor" typeface="Sylfaen"/>
+      </a:minorFont>
+    </a:fontScheme>
+    <a:fmtScheme name="Office">
+      <a:fillStyleLst>
+        <a:solidFill>
+          <a:schemeClr val="phClr"/>
+        </a:solidFill>
+        <a:gradFill rotWithShape="1">
+          <a:gsLst>
+            <a:gs pos="0">
+              <a:schemeClr val="phClr">
+                <a:tint val="50000"/>
+                <a:satMod val="300000"/>
+              </a:schemeClr>
+            </a:gs>
+            <a:gs pos="35000">
+              <a:schemeClr val="phClr">
+                <a:tint val="37000"/>
+                <a:satMod val="300000"/>
+              </a:schemeClr>
+            </a:gs>
+            <a:gs pos="100000">
+              <a:schemeClr val="phClr">
+                <a:tint val="15000"/>
+                <a:satMod val="350000"/>
+              </a:schemeClr>
+            </a:gs>
+          </a:gsLst>
+          <a:lin ang="16200000" scaled="1"/>
+        </a:gradFill>
+        <a:gradFill rotWithShape="1">
+          <a:gsLst>
+            <a:gs pos="0">
+              <a:schemeClr val="phClr">
+                <a:tint val="100000"/>
+                <a:shade val="100000"/>
+                <a:satMod val="130000"/>
+              </a:schemeClr>
+            </a:gs>
+            <a:gs pos="100000">
+              <a:schemeClr val="phClr">
+                <a:tint val="50000"/>
+                <a:shade val="100000"/>
+                <a:satMod val="350000"/>
+              </a:schemeClr>
+            </a:gs>
+          </a:gsLst>
+          <a:lin ang="16200000" scaled="0"/>
+        </a:gradFill>
+      </a:fillStyleLst>
+      <a:lnStyleLst>
+        <a:ln w="9525" cap="flat" cmpd="sng" algn="ctr">
+          <a:solidFill>
+            <a:schemeClr val="phClr">
+              <a:shade val="95000"/>
+              <a:satMod val="105000"/>
+            </a:schemeClr>
+          </a:solidFill>
+          <a:prstDash val="solid"/>
+        </a:ln>
+        <a:ln w="25400" cap="flat" cmpd="sng" algn="ctr">
+          <a:solidFill>
+            <a:schemeClr val="phClr"/>
+          </a:solidFill>
+          <a:prstDash val="solid"/>
+        </a:ln>
+        <a:ln w="38100" cap="flat" cmpd="sng" algn="ctr">
+          <a:solidFill>
+            <a:schemeClr val="phClr"/>
+          </a:solidFill>
+          <a:prstDash val="solid"/>
+        </a:ln>
+      </a:lnStyleLst>
+      <a:effectStyleLst>
+        <a:effectStyle>
+          <a:effectLst>
+            <a:outerShdw blurRad="40000" dist="20000" dir="5400000" rotWithShape="0">
+              <a:srgbClr val="000000">
+                <a:alpha val="38000"/>
+              </a:srgbClr>
+            </a:outerShdw>
+          </a:effectLst>
+        </a:effectStyle>
+        <a:effectStyle>
+          <a:effectLst>
+            <a:outerShdw blurRad="40000" dist="23000" dir="5400000" rotWithShape="0">
+              <a:srgbClr val="000000">
+                <a:alpha val="35000"/>
+              </a:srgbClr>
+            </a:outerShdw>
+          </a:effectLst>
+        </a:effectStyle>
+        <a:effectStyle>
+          <a:effectLst>
+            <a:outerShdw blurRad="40000" dist="23000" dir="5400000" rotWithShape="0">
+              <a:srgbClr val="000000">
+                <a:alpha val="35000"/>
+              </a:srgbClr>
+            </a:outerShdw>
+          </a:effectLst>
+          <a:scene3d>
+            <a:camera prst="orthographicFront">
+              <a:rot lat="0" lon="0" rev="0"/>
+            </a:camera>
+            <a:lightRig rig="threePt" dir="t">
+              <a:rot lat="0" lon="0" rev="1200000"/>
+            </a:lightRig>
+          </a:scene3d>
+          <a:sp3d>
+            <a:bevelT w="63500" h="25400"/>
+          </a:sp3d>
+        </a:effectStyle>
+      </a:effectStyleLst>
+      <a:bgFillStyleLst>
+        <a:solidFill>
+          <a:schemeClr val="phClr"/>
+        </a:solidFill>
+        <a:gradFill rotWithShape="1">
+          <a:gsLst>
+            <a:gs pos="0">
+              <a:schemeClr val="phClr">
+                <a:tint val="40000"/>
+                <a:satMod val="350000"/>
+              </a:schemeClr>
+            </a:gs>
+            <a:gs pos="40000">
+              <a:schemeClr val="phClr">
+                <a:tint val="45000"/>
+                <a:shade val="99000"/>
+                <a:satMod val="350000"/>
+              </a:schemeClr>
+            </a:gs>
+            <a:gs pos="100000">
+              <a:schemeClr val="phClr">
+                <a:shade val="20000"/>
+                <a:satMod val="255000"/>
+              </a:schemeClr>
+            </a:gs>
+          </a:gsLst>
+          <a:path path="circle">
+            <a:fillToRect l="50000" t="-80000" r="50000" b="180000"/>
+          </a:path>
+        </a:gradFill>
+        <a:gradFill rotWithShape="1">
+          <a:gsLst>
+            <a:gs pos="0">
+              <a:schemeClr val="phClr">
+                <a:tint val="80000"/>
+                <a:satMod val="300000"/>
+              </a:schemeClr>
+            </a:gs>
+            <a:gs pos="100000">
+              <a:schemeClr val="phClr">
+                <a:shade val="30000"/>
+                <a:satMod val="200000"/>
+              </a:schemeClr>
+            </a:gs>
+          </a:gsLst>
+          <a:path path="circle">
+            <a:fillToRect l="50000" t="50000" r="50000" b="50000"/>
+          </a:path>
+        </a:gradFill>
+      </a:bgFillStyleLst>
+    </a:fmtScheme>
+  </a:themeElements>
+</a:theme>
+</file>
+
+<file path=ppt/theme/theme3.xml><?xml version="1.0" encoding="utf-8"?>
 <a:theme xmlns:a="http://schemas.openxmlformats.org/drawingml/2006/main" xmlns:r="http://schemas.openxmlformats.org/officeDocument/2006/relationships">
   <a:themeElements>
     <a:clrScheme name="Default">
@@ -16574,7 +17465,7 @@
 </a:theme>
 </file>
 
-<file path=ppt/theme/theme3.xml><?xml version="1.0" encoding="utf-8"?>
+<file path=ppt/theme/theme4.xml><?xml version="1.0" encoding="utf-8"?>
 <a:theme xmlns:a="http://schemas.openxmlformats.org/drawingml/2006/main" xmlns:r="http://schemas.openxmlformats.org/officeDocument/2006/relationships" name="Simple Light">
   <a:themeElements>
     <a:clrScheme name="Custom 347">
@@ -16851,283 +17742,4 @@
     </a:fmtScheme>
   </a:themeElements>
 </a:theme>
-</file>
-
-<file path=ppt/theme/theme4.xml><?xml version="1.0" encoding="utf-8"?>
-<a:theme xmlns:a="http://schemas.openxmlformats.org/drawingml/2006/main" xmlns:r="http://schemas.openxmlformats.org/officeDocument/2006/relationships" name="Custom">
-  <a:themeElements>
-    <a:clrScheme name="blank">
-      <a:dk1>
-        <a:srgbClr val="000000"/>
-      </a:dk1>
-      <a:lt1>
-        <a:srgbClr val="FFFFFF"/>
-      </a:lt1>
-      <a:dk2>
-        <a:srgbClr val="073763"/>
-      </a:dk2>
-      <a:lt2>
-        <a:srgbClr val="CFE2F3"/>
-      </a:lt2>
-      <a:accent1>
-        <a:srgbClr val="404040"/>
-      </a:accent1>
-      <a:accent2>
-        <a:srgbClr val="808080"/>
-      </a:accent2>
-      <a:accent3>
-        <a:srgbClr val="C0C0C0"/>
-      </a:accent3>
-      <a:accent4>
-        <a:srgbClr val="396187"/>
-      </a:accent4>
-      <a:accent5>
-        <a:srgbClr val="6B8CAB"/>
-      </a:accent5>
-      <a:accent6>
-        <a:srgbClr val="9DB7CF"/>
-      </a:accent6>
-      <a:hlink>
-        <a:srgbClr val="0000EE"/>
-      </a:hlink>
-      <a:folHlink>
-        <a:srgbClr val="551A8B"/>
-      </a:folHlink>
-    </a:clrScheme>
-    <a:fontScheme name="Office">
-      <a:majorFont>
-        <a:latin typeface="Arial"/>
-        <a:ea typeface=""/>
-        <a:cs typeface=""/>
-        <a:font script="Jpan" typeface="ＭＳ Ｐゴシック"/>
-        <a:font script="Hang" typeface="맑은 고딕"/>
-        <a:font script="Hans" typeface="宋体"/>
-        <a:font script="Hant" typeface="新細明體"/>
-        <a:font script="Arab" typeface="Times New Roman"/>
-        <a:font script="Hebr" typeface="Times New Roman"/>
-        <a:font script="Thai" typeface="Angsana New"/>
-        <a:font script="Ethi" typeface="Nyala"/>
-        <a:font script="Beng" typeface="Vrinda"/>
-        <a:font script="Gujr" typeface="Shruti"/>
-        <a:font script="Khmr" typeface="MoolBoran"/>
-        <a:font script="Knda" typeface="Tunga"/>
-        <a:font script="Guru" typeface="Raavi"/>
-        <a:font script="Cans" typeface="Euphemia"/>
-        <a:font script="Cher" typeface="Plantagenet Cherokee"/>
-        <a:font script="Yiii" typeface="Microsoft Yi Baiti"/>
-        <a:font script="Tibt" typeface="Microsoft Himalaya"/>
-        <a:font script="Thaa" typeface="MV Boli"/>
-        <a:font script="Deva" typeface="Mangal"/>
-        <a:font script="Telu" typeface="Gautami"/>
-        <a:font script="Taml" typeface="Latha"/>
-        <a:font script="Syrc" typeface="Estrangelo Edessa"/>
-        <a:font script="Orya" typeface="Kalinga"/>
-        <a:font script="Mlym" typeface="Kartika"/>
-        <a:font script="Laoo" typeface="DokChampa"/>
-        <a:font script="Sinh" typeface="Iskoola Pota"/>
-        <a:font script="Mong" typeface="Mongolian Baiti"/>
-        <a:font script="Viet" typeface="Times New Roman"/>
-        <a:font script="Uigh" typeface="Microsoft Uighur"/>
-        <a:font script="Geor" typeface="Sylfaen"/>
-      </a:majorFont>
-      <a:minorFont>
-        <a:latin typeface="Arial"/>
-        <a:ea typeface=""/>
-        <a:cs typeface=""/>
-        <a:font script="Jpan" typeface="ＭＳ Ｐゴシック"/>
-        <a:font script="Hang" typeface="맑은 고딕"/>
-        <a:font script="Hans" typeface="宋体"/>
-        <a:font script="Hant" typeface="新細明體"/>
-        <a:font script="Arab" typeface="Arial"/>
-        <a:font script="Hebr" typeface="Arial"/>
-        <a:font script="Thai" typeface="Cordia New"/>
-        <a:font script="Ethi" typeface="Nyala"/>
-        <a:font script="Beng" typeface="Vrinda"/>
-        <a:font script="Gujr" typeface="Shruti"/>
-        <a:font script="Khmr" typeface="DaunPenh"/>
-        <a:font script="Knda" typeface="Tunga"/>
-        <a:font script="Guru" typeface="Raavi"/>
-        <a:font script="Cans" typeface="Euphemia"/>
-        <a:font script="Cher" typeface="Plantagenet Cherokee"/>
-        <a:font script="Yiii" typeface="Microsoft Yi Baiti"/>
-        <a:font script="Tibt" typeface="Microsoft Himalaya"/>
-        <a:font script="Thaa" typeface="MV Boli"/>
-        <a:font script="Deva" typeface="Mangal"/>
-        <a:font script="Telu" typeface="Gautami"/>
-        <a:font script="Taml" typeface="Latha"/>
-        <a:font script="Syrc" typeface="Estrangelo Edessa"/>
-        <a:font script="Orya" typeface="Kalinga"/>
-        <a:font script="Mlym" typeface="Kartika"/>
-        <a:font script="Laoo" typeface="DokChampa"/>
-        <a:font script="Sinh" typeface="Iskoola Pota"/>
-        <a:font script="Mong" typeface="Mongolian Baiti"/>
-        <a:font script="Viet" typeface="Arial"/>
-        <a:font script="Uigh" typeface="Microsoft Uighur"/>
-        <a:font script="Geor" typeface="Sylfaen"/>
-      </a:minorFont>
-    </a:fontScheme>
-    <a:fmtScheme name="Office">
-      <a:fillStyleLst>
-        <a:solidFill>
-          <a:schemeClr val="phClr"/>
-        </a:solidFill>
-        <a:gradFill rotWithShape="1">
-          <a:gsLst>
-            <a:gs pos="0">
-              <a:schemeClr val="phClr">
-                <a:tint val="50000"/>
-                <a:satMod val="300000"/>
-              </a:schemeClr>
-            </a:gs>
-            <a:gs pos="35000">
-              <a:schemeClr val="phClr">
-                <a:tint val="37000"/>
-                <a:satMod val="300000"/>
-              </a:schemeClr>
-            </a:gs>
-            <a:gs pos="100000">
-              <a:schemeClr val="phClr">
-                <a:tint val="15000"/>
-                <a:satMod val="350000"/>
-              </a:schemeClr>
-            </a:gs>
-          </a:gsLst>
-          <a:lin ang="16200000" scaled="1"/>
-        </a:gradFill>
-        <a:gradFill rotWithShape="1">
-          <a:gsLst>
-            <a:gs pos="0">
-              <a:schemeClr val="phClr">
-                <a:tint val="100000"/>
-                <a:shade val="100000"/>
-                <a:satMod val="130000"/>
-              </a:schemeClr>
-            </a:gs>
-            <a:gs pos="100000">
-              <a:schemeClr val="phClr">
-                <a:tint val="50000"/>
-                <a:shade val="100000"/>
-                <a:satMod val="350000"/>
-              </a:schemeClr>
-            </a:gs>
-          </a:gsLst>
-          <a:lin ang="16200000" scaled="0"/>
-        </a:gradFill>
-      </a:fillStyleLst>
-      <a:lnStyleLst>
-        <a:ln w="9525" cap="flat" cmpd="sng" algn="ctr">
-          <a:solidFill>
-            <a:schemeClr val="phClr">
-              <a:shade val="95000"/>
-              <a:satMod val="105000"/>
-            </a:schemeClr>
-          </a:solidFill>
-          <a:prstDash val="solid"/>
-        </a:ln>
-        <a:ln w="25400" cap="flat" cmpd="sng" algn="ctr">
-          <a:solidFill>
-            <a:schemeClr val="phClr"/>
-          </a:solidFill>
-          <a:prstDash val="solid"/>
-        </a:ln>
-        <a:ln w="38100" cap="flat" cmpd="sng" algn="ctr">
-          <a:solidFill>
-            <a:schemeClr val="phClr"/>
-          </a:solidFill>
-          <a:prstDash val="solid"/>
-        </a:ln>
-      </a:lnStyleLst>
-      <a:effectStyleLst>
-        <a:effectStyle>
-          <a:effectLst>
-            <a:outerShdw blurRad="40000" dist="20000" dir="5400000" rotWithShape="0">
-              <a:srgbClr val="000000">
-                <a:alpha val="38000"/>
-              </a:srgbClr>
-            </a:outerShdw>
-          </a:effectLst>
-        </a:effectStyle>
-        <a:effectStyle>
-          <a:effectLst>
-            <a:outerShdw blurRad="40000" dist="23000" dir="5400000" rotWithShape="0">
-              <a:srgbClr val="000000">
-                <a:alpha val="35000"/>
-              </a:srgbClr>
-            </a:outerShdw>
-          </a:effectLst>
-        </a:effectStyle>
-        <a:effectStyle>
-          <a:effectLst>
-            <a:outerShdw blurRad="40000" dist="23000" dir="5400000" rotWithShape="0">
-              <a:srgbClr val="000000">
-                <a:alpha val="35000"/>
-              </a:srgbClr>
-            </a:outerShdw>
-          </a:effectLst>
-          <a:scene3d>
-            <a:camera prst="orthographicFront">
-              <a:rot lat="0" lon="0" rev="0"/>
-            </a:camera>
-            <a:lightRig rig="threePt" dir="t">
-              <a:rot lat="0" lon="0" rev="1200000"/>
-            </a:lightRig>
-          </a:scene3d>
-          <a:sp3d>
-            <a:bevelT w="63500" h="25400"/>
-          </a:sp3d>
-        </a:effectStyle>
-      </a:effectStyleLst>
-      <a:bgFillStyleLst>
-        <a:solidFill>
-          <a:schemeClr val="phClr"/>
-        </a:solidFill>
-        <a:gradFill rotWithShape="1">
-          <a:gsLst>
-            <a:gs pos="0">
-              <a:schemeClr val="phClr">
-                <a:tint val="40000"/>
-                <a:satMod val="350000"/>
-              </a:schemeClr>
-            </a:gs>
-            <a:gs pos="40000">
-              <a:schemeClr val="phClr">
-                <a:tint val="45000"/>
-                <a:shade val="99000"/>
-                <a:satMod val="350000"/>
-              </a:schemeClr>
-            </a:gs>
-            <a:gs pos="100000">
-              <a:schemeClr val="phClr">
-                <a:shade val="20000"/>
-                <a:satMod val="255000"/>
-              </a:schemeClr>
-            </a:gs>
-          </a:gsLst>
-          <a:path path="circle">
-            <a:fillToRect l="50000" t="-80000" r="50000" b="180000"/>
-          </a:path>
-        </a:gradFill>
-        <a:gradFill rotWithShape="1">
-          <a:gsLst>
-            <a:gs pos="0">
-              <a:schemeClr val="phClr">
-                <a:tint val="80000"/>
-                <a:satMod val="300000"/>
-              </a:schemeClr>
-            </a:gs>
-            <a:gs pos="100000">
-              <a:schemeClr val="phClr">
-                <a:shade val="30000"/>
-                <a:satMod val="200000"/>
-              </a:schemeClr>
-            </a:gs>
-          </a:gsLst>
-          <a:path path="circle">
-            <a:fillToRect l="50000" t="50000" r="50000" b="50000"/>
-          </a:path>
-        </a:gradFill>
-      </a:bgFillStyleLst>
-    </a:fmtScheme>
-  </a:themeElements>
-</a:theme>
 </file>